--- a/stats.has-plots/summary.pptx
+++ b/stats.has-plots/summary.pptx
@@ -3402,7 +3402,9 @@
         </p:nvSpPr>
         <p:spPr/>
         <p:txBody>
-          <a:bodyPr/>
+          <a:bodyPr>
+            <a:normAutofit fontScale="92500" lnSpcReduction="20000"/>
+          </a:bodyPr>
           <a:lstStyle/>
           <a:p>
             <a:r>
@@ -3413,15 +3415,7 @@
           <a:p>
             <a:r>
               <a:rPr lang="en-US" dirty="0" smtClean="0"/>
-              <a:t>The initial spike is the time to download </a:t>
-            </a:r>
-            <a:r>
-              <a:rPr lang="en-US" dirty="0" err="1" smtClean="0"/>
-              <a:t>ProtoMol</a:t>
-            </a:r>
-            <a:r>
-              <a:rPr lang="en-US" dirty="0" smtClean="0"/>
-              <a:t> to the workers.</a:t>
+              <a:t>The initial spike is the time to download the MD program binary to the workers.</a:t>
             </a:r>
             <a:endParaRPr lang="en-US" dirty="0"/>
           </a:p>
@@ -3509,7 +3503,22 @@
           <a:bodyPr/>
           <a:lstStyle/>
           <a:p>
-            <a:endParaRPr lang="en-US"/>
+            <a:r>
+              <a:rPr lang="en-US" dirty="0" smtClean="0"/>
+              <a:t>Caveat: each call to </a:t>
+            </a:r>
+            <a:r>
+              <a:rPr lang="en-US" dirty="0" smtClean="0">
+                <a:latin typeface="Courier New"/>
+                <a:cs typeface="Courier New"/>
+              </a:rPr>
+              <a:t>resample </a:t>
+            </a:r>
+            <a:r>
+              <a:rPr lang="en-US" dirty="0" smtClean="0"/>
+              <a:t>saves the weights to file.</a:t>
+            </a:r>
+            <a:endParaRPr lang="en-US" dirty="0"/>
           </a:p>
         </p:txBody>
       </p:sp>
@@ -3555,7 +3564,7 @@
           <a:p>
             <a:r>
               <a:rPr lang="en-US" dirty="0" smtClean="0"/>
-              <a:t>Simulations parameters</a:t>
+              <a:t>Setup</a:t>
             </a:r>
             <a:endParaRPr lang="en-US" dirty="0"/>
           </a:p>
@@ -3573,26 +3582,20 @@
         </p:nvSpPr>
         <p:spPr/>
         <p:txBody>
-          <a:bodyPr/>
-          <a:lstStyle/>
-          <a:p>
-            <a:r>
-              <a:rPr lang="en-US" dirty="0" smtClean="0">
-                <a:solidFill>
-                  <a:srgbClr val="FF0000"/>
-                </a:solidFill>
-              </a:rPr>
-              <a:t>5000?</a:t>
-            </a:r>
+          <a:bodyPr>
+            <a:normAutofit lnSpcReduction="10000"/>
+          </a:bodyPr>
+          <a:lstStyle/>
+          <a:p>
             <a:r>
               <a:rPr lang="en-US" dirty="0" smtClean="0"/>
-              <a:t> steps</a:t>
+              <a:t>5000 steps in each simulation</a:t>
             </a:r>
           </a:p>
           <a:p>
             <a:r>
               <a:rPr lang="en-US" dirty="0" smtClean="0"/>
-              <a:t>Binary cached on first execution</a:t>
+              <a:t>Binary cached on workers’ first execution</a:t>
             </a:r>
           </a:p>
           <a:p>
@@ -3604,6 +3607,12 @@
           <a:p>
             <a:r>
               <a:rPr lang="en-US" dirty="0" smtClean="0"/>
+              <a:t>Alanine dipeptide</a:t>
+            </a:r>
+          </a:p>
+          <a:p>
+            <a:r>
+              <a:rPr lang="en-US" dirty="0" smtClean="0"/>
               <a:t>100 cells</a:t>
             </a:r>
           </a:p>
@@ -3611,6 +3620,18 @@
             <a:r>
               <a:rPr lang="en-US" dirty="0" smtClean="0"/>
               <a:t>10 walkers / cell</a:t>
+            </a:r>
+          </a:p>
+          <a:p>
+            <a:r>
+              <a:rPr lang="en-US" dirty="0" smtClean="0"/>
+              <a:t>1000 concurrent tasks</a:t>
+            </a:r>
+          </a:p>
+          <a:p>
+            <a:r>
+              <a:rPr lang="en-US" dirty="0" smtClean="0"/>
+              <a:t>30 iterations</a:t>
             </a:r>
             <a:endParaRPr lang="en-US" dirty="0"/>
           </a:p>
@@ -3664,33 +3685,29 @@
           </a:p>
         </p:txBody>
       </p:sp>
-      <p:sp>
-        <p:nvSpPr>
-          <p:cNvPr id="3" name="Content Placeholder 2"/>
-          <p:cNvSpPr>
-            <a:spLocks noGrp="1"/>
-          </p:cNvSpPr>
+      <p:pic>
+        <p:nvPicPr>
+          <p:cNvPr id="4" name="Content Placeholder 3" descr="awe-schema.png"/>
+          <p:cNvPicPr>
+            <a:picLocks noGrp="1" noChangeAspect="1"/>
+          </p:cNvPicPr>
           <p:nvPr>
             <p:ph idx="1"/>
           </p:nvPr>
-        </p:nvSpPr>
-        <p:spPr/>
-        <p:txBody>
-          <a:bodyPr/>
-          <a:lstStyle/>
-          <a:p>
-            <a:r>
-              <a:rPr lang="en-US" dirty="0" smtClean="0"/>
-              <a:t>To </a:t>
-            </a:r>
-            <a:r>
-              <a:rPr lang="en-US" smtClean="0"/>
-              <a:t>be added</a:t>
-            </a:r>
-            <a:endParaRPr lang="en-US"/>
-          </a:p>
-        </p:txBody>
-      </p:sp>
+        </p:nvPicPr>
+        <p:blipFill>
+          <a:blip r:embed="rId2"/>
+          <a:stretch>
+            <a:fillRect/>
+          </a:stretch>
+        </p:blipFill>
+        <p:spPr>
+          <a:xfrm>
+            <a:off x="457200" y="2035300"/>
+            <a:ext cx="8229600" cy="3655762"/>
+          </a:xfrm>
+        </p:spPr>
+      </p:pic>
     </p:spTree>
   </p:cSld>
   <p:clrMapOvr>
@@ -3871,10 +3888,16 @@
           <a:p>
             <a:pPr algn="ctr"/>
             <a:r>
-              <a:rPr lang="en-US" dirty="0" smtClean="0"/>
+              <a:rPr lang="en-US" dirty="0" smtClean="0">
+                <a:latin typeface="Courier New"/>
+                <a:cs typeface="Courier New"/>
+              </a:rPr>
               <a:t>life time = completion time – submit time</a:t>
             </a:r>
-            <a:endParaRPr lang="en-US" dirty="0"/>
+            <a:endParaRPr lang="en-US" dirty="0">
+              <a:latin typeface="Courier New"/>
+              <a:cs typeface="Courier New"/>
+            </a:endParaRPr>
           </a:p>
         </p:txBody>
       </p:sp>

--- a/stats.has-plots/summary.pptx
+++ b/stats.has-plots/summary.pptx
@@ -1,23 +1,24 @@
 
 <file path=ppt/presentation.xml><?xml version="1.0" encoding="utf-8"?>
-<p:presentation xmlns:a="http://schemas.openxmlformats.org/drawingml/2006/main" xmlns:r="http://schemas.openxmlformats.org/officeDocument/2006/relationships" xmlns:mc="http://schemas.openxmlformats.org/markup-compatibility/2006" xmlns:mv="urn:schemas-microsoft-com:mac:vml" xmlns:p="http://schemas.openxmlformats.org/presentationml/2006/main" mc:Ignorable="mv" mc:PreserveAttributes="mv:*" saveSubsetFonts="1" autoCompressPictures="0">
+<p:presentation xmlns:a="http://schemas.openxmlformats.org/drawingml/2006/main" xmlns:r="http://schemas.openxmlformats.org/officeDocument/2006/relationships" xmlns:mc="http://schemas.openxmlformats.org/markup-compatibility/2006" xmlns:mv="urn:schemas-microsoft-com:mac:vml" xmlns:p="http://schemas.openxmlformats.org/presentationml/2006/main" mc:Ignorable="mv" mc:PreserveAttributes="mv:*" firstSlideNum="0" saveSubsetFonts="1" autoCompressPictures="0">
   <p:sldMasterIdLst>
     <p:sldMasterId r:id="rId1"/>
   </p:sldMasterIdLst>
+  <p:notesMasterIdLst>
+    <p:notesMasterId r:id="rId10"/>
+  </p:notesMasterIdLst>
+  <p:handoutMasterIdLst>
+    <p:handoutMasterId r:id="rId11"/>
+  </p:handoutMasterIdLst>
   <p:sldIdLst>
     <p:sldId id="256" r:id="rId2"/>
-    <p:sldId id="257" r:id="rId3"/>
-    <p:sldId id="258" r:id="rId4"/>
-    <p:sldId id="259" r:id="rId5"/>
-    <p:sldId id="262" r:id="rId6"/>
-    <p:sldId id="263" r:id="rId7"/>
-    <p:sldId id="260" r:id="rId8"/>
+    <p:sldId id="258" r:id="rId3"/>
+    <p:sldId id="270" r:id="rId4"/>
+    <p:sldId id="257" r:id="rId5"/>
+    <p:sldId id="271" r:id="rId6"/>
+    <p:sldId id="265" r:id="rId7"/>
+    <p:sldId id="262" r:id="rId8"/>
     <p:sldId id="264" r:id="rId9"/>
-    <p:sldId id="265" r:id="rId10"/>
-    <p:sldId id="267" r:id="rId11"/>
-    <p:sldId id="266" r:id="rId12"/>
-    <p:sldId id="261" r:id="rId13"/>
-    <p:sldId id="268" r:id="rId14"/>
   </p:sldIdLst>
   <p:sldSz cx="9144000" cy="6858000" type="screen4x3"/>
   <p:notesSz cx="6858000" cy="9144000"/>
@@ -119,6 +120,596 @@
 </p:presentation>
 </file>
 
+<file path=ppt/handoutMasters/handoutMaster1.xml><?xml version="1.0" encoding="utf-8"?>
+<p:handoutMaster xmlns:a="http://schemas.openxmlformats.org/drawingml/2006/main" xmlns:r="http://schemas.openxmlformats.org/officeDocument/2006/relationships" xmlns:mc="http://schemas.openxmlformats.org/markup-compatibility/2006" xmlns:mv="urn:schemas-microsoft-com:mac:vml" xmlns:p="http://schemas.openxmlformats.org/presentationml/2006/main" mc:Ignorable="mv" mc:PreserveAttributes="mv:*">
+  <p:cSld>
+    <p:bg>
+      <p:bgRef idx="1001">
+        <a:schemeClr val="bg1"/>
+      </p:bgRef>
+    </p:bg>
+    <p:spTree>
+      <p:nvGrpSpPr>
+        <p:cNvPr id="1" name=""/>
+        <p:cNvGrpSpPr/>
+        <p:nvPr/>
+      </p:nvGrpSpPr>
+      <p:grpSpPr>
+        <a:xfrm>
+          <a:off x="0" y="0"/>
+          <a:ext cx="0" cy="0"/>
+          <a:chOff x="0" y="0"/>
+          <a:chExt cx="0" cy="0"/>
+        </a:xfrm>
+      </p:grpSpPr>
+      <p:sp>
+        <p:nvSpPr>
+          <p:cNvPr id="2" name="Header Placeholder 1"/>
+          <p:cNvSpPr>
+            <a:spLocks noGrp="1"/>
+          </p:cNvSpPr>
+          <p:nvPr>
+            <p:ph type="hdr" sz="quarter"/>
+          </p:nvPr>
+        </p:nvSpPr>
+        <p:spPr>
+          <a:xfrm>
+            <a:off x="0" y="0"/>
+            <a:ext cx="2971800" cy="457200"/>
+          </a:xfrm>
+          <a:prstGeom prst="rect">
+            <a:avLst/>
+          </a:prstGeom>
+        </p:spPr>
+        <p:txBody>
+          <a:bodyPr vert="horz" lIns="91440" tIns="45720" rIns="91440" bIns="45720" rtlCol="0"/>
+          <a:lstStyle>
+            <a:lvl1pPr algn="l">
+              <a:defRPr sz="1200"/>
+            </a:lvl1pPr>
+          </a:lstStyle>
+          <a:p>
+            <a:endParaRPr lang="en-US"/>
+          </a:p>
+        </p:txBody>
+      </p:sp>
+      <p:sp>
+        <p:nvSpPr>
+          <p:cNvPr id="3" name="Date Placeholder 2"/>
+          <p:cNvSpPr>
+            <a:spLocks noGrp="1"/>
+          </p:cNvSpPr>
+          <p:nvPr>
+            <p:ph type="dt" sz="quarter" idx="1"/>
+          </p:nvPr>
+        </p:nvSpPr>
+        <p:spPr>
+          <a:xfrm>
+            <a:off x="3884613" y="0"/>
+            <a:ext cx="2971800" cy="457200"/>
+          </a:xfrm>
+          <a:prstGeom prst="rect">
+            <a:avLst/>
+          </a:prstGeom>
+        </p:spPr>
+        <p:txBody>
+          <a:bodyPr vert="horz" lIns="91440" tIns="45720" rIns="91440" bIns="45720" rtlCol="0"/>
+          <a:lstStyle>
+            <a:lvl1pPr algn="r">
+              <a:defRPr sz="1200"/>
+            </a:lvl1pPr>
+          </a:lstStyle>
+          <a:p>
+            <a:fld id="{E86FF0DB-BD28-1643-AF02-6DD0AFF26C6D}" type="datetimeFigureOut">
+              <a:rPr lang="en-US" smtClean="0"/>
+              <a:t>3/1/12</a:t>
+            </a:fld>
+            <a:endParaRPr lang="en-US"/>
+          </a:p>
+        </p:txBody>
+      </p:sp>
+      <p:sp>
+        <p:nvSpPr>
+          <p:cNvPr id="4" name="Footer Placeholder 3"/>
+          <p:cNvSpPr>
+            <a:spLocks noGrp="1"/>
+          </p:cNvSpPr>
+          <p:nvPr>
+            <p:ph type="ftr" sz="quarter" idx="2"/>
+          </p:nvPr>
+        </p:nvSpPr>
+        <p:spPr>
+          <a:xfrm>
+            <a:off x="0" y="8685213"/>
+            <a:ext cx="2971800" cy="457200"/>
+          </a:xfrm>
+          <a:prstGeom prst="rect">
+            <a:avLst/>
+          </a:prstGeom>
+        </p:spPr>
+        <p:txBody>
+          <a:bodyPr vert="horz" lIns="91440" tIns="45720" rIns="91440" bIns="45720" rtlCol="0" anchor="b"/>
+          <a:lstStyle>
+            <a:lvl1pPr algn="l">
+              <a:defRPr sz="1200"/>
+            </a:lvl1pPr>
+          </a:lstStyle>
+          <a:p>
+            <a:endParaRPr lang="en-US"/>
+          </a:p>
+        </p:txBody>
+      </p:sp>
+      <p:sp>
+        <p:nvSpPr>
+          <p:cNvPr id="5" name="Slide Number Placeholder 4"/>
+          <p:cNvSpPr>
+            <a:spLocks noGrp="1"/>
+          </p:cNvSpPr>
+          <p:nvPr>
+            <p:ph type="sldNum" sz="quarter" idx="3"/>
+          </p:nvPr>
+        </p:nvSpPr>
+        <p:spPr>
+          <a:xfrm>
+            <a:off x="3884613" y="8685213"/>
+            <a:ext cx="2971800" cy="457200"/>
+          </a:xfrm>
+          <a:prstGeom prst="rect">
+            <a:avLst/>
+          </a:prstGeom>
+        </p:spPr>
+        <p:txBody>
+          <a:bodyPr vert="horz" lIns="91440" tIns="45720" rIns="91440" bIns="45720" rtlCol="0" anchor="b"/>
+          <a:lstStyle>
+            <a:lvl1pPr algn="r">
+              <a:defRPr sz="1200"/>
+            </a:lvl1pPr>
+          </a:lstStyle>
+          <a:p>
+            <a:fld id="{397BFEB4-0B8C-6243-903B-26A535B6EC1E}" type="slidenum">
+              <a:rPr lang="en-US" smtClean="0"/>
+              <a:t>‹#›</a:t>
+            </a:fld>
+            <a:endParaRPr lang="en-US"/>
+          </a:p>
+        </p:txBody>
+      </p:sp>
+    </p:spTree>
+  </p:cSld>
+  <p:clrMap bg1="lt1" tx1="dk1" bg2="lt2" tx2="dk2" accent1="accent1" accent2="accent2" accent3="accent3" accent4="accent4" accent5="accent5" accent6="accent6" hlink="hlink" folHlink="folHlink"/>
+  <p:hf hdr="0" ftr="0" dt="0"/>
+</p:handoutMaster>
+</file>
+
+<file path=ppt/notesMasters/notesMaster1.xml><?xml version="1.0" encoding="utf-8"?>
+<p:notesMaster xmlns:a="http://schemas.openxmlformats.org/drawingml/2006/main" xmlns:r="http://schemas.openxmlformats.org/officeDocument/2006/relationships" xmlns:mc="http://schemas.openxmlformats.org/markup-compatibility/2006" xmlns:mv="urn:schemas-microsoft-com:mac:vml" xmlns:p="http://schemas.openxmlformats.org/presentationml/2006/main" mc:Ignorable="mv" mc:PreserveAttributes="mv:*">
+  <p:cSld>
+    <p:bg>
+      <p:bgRef idx="1001">
+        <a:schemeClr val="bg1"/>
+      </p:bgRef>
+    </p:bg>
+    <p:spTree>
+      <p:nvGrpSpPr>
+        <p:cNvPr id="1" name=""/>
+        <p:cNvGrpSpPr/>
+        <p:nvPr/>
+      </p:nvGrpSpPr>
+      <p:grpSpPr>
+        <a:xfrm>
+          <a:off x="0" y="0"/>
+          <a:ext cx="0" cy="0"/>
+          <a:chOff x="0" y="0"/>
+          <a:chExt cx="0" cy="0"/>
+        </a:xfrm>
+      </p:grpSpPr>
+      <p:sp>
+        <p:nvSpPr>
+          <p:cNvPr id="2" name="Header Placeholder 1"/>
+          <p:cNvSpPr>
+            <a:spLocks noGrp="1"/>
+          </p:cNvSpPr>
+          <p:nvPr>
+            <p:ph type="hdr" sz="quarter"/>
+          </p:nvPr>
+        </p:nvSpPr>
+        <p:spPr>
+          <a:xfrm>
+            <a:off x="0" y="0"/>
+            <a:ext cx="2971800" cy="457200"/>
+          </a:xfrm>
+          <a:prstGeom prst="rect">
+            <a:avLst/>
+          </a:prstGeom>
+        </p:spPr>
+        <p:txBody>
+          <a:bodyPr vert="horz" lIns="91440" tIns="45720" rIns="91440" bIns="45720" rtlCol="0"/>
+          <a:lstStyle>
+            <a:lvl1pPr algn="l">
+              <a:defRPr sz="1200"/>
+            </a:lvl1pPr>
+          </a:lstStyle>
+          <a:p>
+            <a:endParaRPr lang="en-US"/>
+          </a:p>
+        </p:txBody>
+      </p:sp>
+      <p:sp>
+        <p:nvSpPr>
+          <p:cNvPr id="3" name="Date Placeholder 2"/>
+          <p:cNvSpPr>
+            <a:spLocks noGrp="1"/>
+          </p:cNvSpPr>
+          <p:nvPr>
+            <p:ph type="dt" idx="1"/>
+          </p:nvPr>
+        </p:nvSpPr>
+        <p:spPr>
+          <a:xfrm>
+            <a:off x="3884613" y="0"/>
+            <a:ext cx="2971800" cy="457200"/>
+          </a:xfrm>
+          <a:prstGeom prst="rect">
+            <a:avLst/>
+          </a:prstGeom>
+        </p:spPr>
+        <p:txBody>
+          <a:bodyPr vert="horz" lIns="91440" tIns="45720" rIns="91440" bIns="45720" rtlCol="0"/>
+          <a:lstStyle>
+            <a:lvl1pPr algn="r">
+              <a:defRPr sz="1200"/>
+            </a:lvl1pPr>
+          </a:lstStyle>
+          <a:p>
+            <a:fld id="{0FBC6CD2-E77E-5440-A175-675A1695B356}" type="datetimeFigureOut">
+              <a:rPr lang="en-US" smtClean="0"/>
+              <a:t>3/1/12</a:t>
+            </a:fld>
+            <a:endParaRPr lang="en-US"/>
+          </a:p>
+        </p:txBody>
+      </p:sp>
+      <p:sp>
+        <p:nvSpPr>
+          <p:cNvPr id="4" name="Slide Image Placeholder 3"/>
+          <p:cNvSpPr>
+            <a:spLocks noGrp="1" noRot="1" noChangeAspect="1"/>
+          </p:cNvSpPr>
+          <p:nvPr>
+            <p:ph type="sldImg" idx="2"/>
+          </p:nvPr>
+        </p:nvSpPr>
+        <p:spPr>
+          <a:xfrm>
+            <a:off x="1143000" y="685800"/>
+            <a:ext cx="4572000" cy="3429000"/>
+          </a:xfrm>
+          <a:prstGeom prst="rect">
+            <a:avLst/>
+          </a:prstGeom>
+          <a:noFill/>
+          <a:ln w="12700">
+            <a:solidFill>
+              <a:prstClr val="black"/>
+            </a:solidFill>
+          </a:ln>
+        </p:spPr>
+        <p:txBody>
+          <a:bodyPr vert="horz" lIns="91440" tIns="45720" rIns="91440" bIns="45720" rtlCol="0" anchor="ctr"/>
+          <a:lstStyle/>
+          <a:p>
+            <a:endParaRPr lang="en-US"/>
+          </a:p>
+        </p:txBody>
+      </p:sp>
+      <p:sp>
+        <p:nvSpPr>
+          <p:cNvPr id="5" name="Notes Placeholder 4"/>
+          <p:cNvSpPr>
+            <a:spLocks noGrp="1"/>
+          </p:cNvSpPr>
+          <p:nvPr>
+            <p:ph type="body" sz="quarter" idx="3"/>
+          </p:nvPr>
+        </p:nvSpPr>
+        <p:spPr>
+          <a:xfrm>
+            <a:off x="685800" y="4343400"/>
+            <a:ext cx="5486400" cy="4114800"/>
+          </a:xfrm>
+          <a:prstGeom prst="rect">
+            <a:avLst/>
+          </a:prstGeom>
+        </p:spPr>
+        <p:txBody>
+          <a:bodyPr vert="horz" lIns="91440" tIns="45720" rIns="91440" bIns="45720" rtlCol="0">
+            <a:normAutofit/>
+          </a:bodyPr>
+          <a:lstStyle/>
+          <a:p>
+            <a:pPr lvl="0"/>
+            <a:r>
+              <a:rPr lang="en-US" smtClean="0"/>
+              <a:t>Click to edit Master text styles</a:t>
+            </a:r>
+          </a:p>
+          <a:p>
+            <a:pPr lvl="1"/>
+            <a:r>
+              <a:rPr lang="en-US" smtClean="0"/>
+              <a:t>Second level</a:t>
+            </a:r>
+          </a:p>
+          <a:p>
+            <a:pPr lvl="2"/>
+            <a:r>
+              <a:rPr lang="en-US" smtClean="0"/>
+              <a:t>Third level</a:t>
+            </a:r>
+          </a:p>
+          <a:p>
+            <a:pPr lvl="3"/>
+            <a:r>
+              <a:rPr lang="en-US" smtClean="0"/>
+              <a:t>Fourth level</a:t>
+            </a:r>
+          </a:p>
+          <a:p>
+            <a:pPr lvl="4"/>
+            <a:r>
+              <a:rPr lang="en-US" smtClean="0"/>
+              <a:t>Fifth level</a:t>
+            </a:r>
+            <a:endParaRPr lang="en-US"/>
+          </a:p>
+        </p:txBody>
+      </p:sp>
+      <p:sp>
+        <p:nvSpPr>
+          <p:cNvPr id="6" name="Footer Placeholder 5"/>
+          <p:cNvSpPr>
+            <a:spLocks noGrp="1"/>
+          </p:cNvSpPr>
+          <p:nvPr>
+            <p:ph type="ftr" sz="quarter" idx="4"/>
+          </p:nvPr>
+        </p:nvSpPr>
+        <p:spPr>
+          <a:xfrm>
+            <a:off x="0" y="8685213"/>
+            <a:ext cx="2971800" cy="457200"/>
+          </a:xfrm>
+          <a:prstGeom prst="rect">
+            <a:avLst/>
+          </a:prstGeom>
+        </p:spPr>
+        <p:txBody>
+          <a:bodyPr vert="horz" lIns="91440" tIns="45720" rIns="91440" bIns="45720" rtlCol="0" anchor="b"/>
+          <a:lstStyle>
+            <a:lvl1pPr algn="l">
+              <a:defRPr sz="1200"/>
+            </a:lvl1pPr>
+          </a:lstStyle>
+          <a:p>
+            <a:endParaRPr lang="en-US"/>
+          </a:p>
+        </p:txBody>
+      </p:sp>
+      <p:sp>
+        <p:nvSpPr>
+          <p:cNvPr id="7" name="Slide Number Placeholder 6"/>
+          <p:cNvSpPr>
+            <a:spLocks noGrp="1"/>
+          </p:cNvSpPr>
+          <p:nvPr>
+            <p:ph type="sldNum" sz="quarter" idx="5"/>
+          </p:nvPr>
+        </p:nvSpPr>
+        <p:spPr>
+          <a:xfrm>
+            <a:off x="3884613" y="8685213"/>
+            <a:ext cx="2971800" cy="457200"/>
+          </a:xfrm>
+          <a:prstGeom prst="rect">
+            <a:avLst/>
+          </a:prstGeom>
+        </p:spPr>
+        <p:txBody>
+          <a:bodyPr vert="horz" lIns="91440" tIns="45720" rIns="91440" bIns="45720" rtlCol="0" anchor="b"/>
+          <a:lstStyle>
+            <a:lvl1pPr algn="r">
+              <a:defRPr sz="1200"/>
+            </a:lvl1pPr>
+          </a:lstStyle>
+          <a:p>
+            <a:fld id="{4AC2D7F2-CF1C-4345-987A-6858B50CEC73}" type="slidenum">
+              <a:rPr lang="en-US" smtClean="0"/>
+              <a:t>‹#›</a:t>
+            </a:fld>
+            <a:endParaRPr lang="en-US"/>
+          </a:p>
+        </p:txBody>
+      </p:sp>
+    </p:spTree>
+  </p:cSld>
+  <p:clrMap bg1="lt1" tx1="dk1" bg2="lt2" tx2="dk2" accent1="accent1" accent2="accent2" accent3="accent3" accent4="accent4" accent5="accent5" accent6="accent6" hlink="hlink" folHlink="folHlink"/>
+  <p:hf hdr="0" ftr="0" dt="0"/>
+  <p:notesStyle>
+    <a:lvl1pPr marL="0" algn="l" defTabSz="457200" rtl="0" eaLnBrk="1" latinLnBrk="0" hangingPunct="1">
+      <a:defRPr sz="1200" kern="1200">
+        <a:solidFill>
+          <a:schemeClr val="tx1"/>
+        </a:solidFill>
+        <a:latin typeface="+mn-lt"/>
+        <a:ea typeface="+mn-ea"/>
+        <a:cs typeface="+mn-cs"/>
+      </a:defRPr>
+    </a:lvl1pPr>
+    <a:lvl2pPr marL="457200" algn="l" defTabSz="457200" rtl="0" eaLnBrk="1" latinLnBrk="0" hangingPunct="1">
+      <a:defRPr sz="1200" kern="1200">
+        <a:solidFill>
+          <a:schemeClr val="tx1"/>
+        </a:solidFill>
+        <a:latin typeface="+mn-lt"/>
+        <a:ea typeface="+mn-ea"/>
+        <a:cs typeface="+mn-cs"/>
+      </a:defRPr>
+    </a:lvl2pPr>
+    <a:lvl3pPr marL="914400" algn="l" defTabSz="457200" rtl="0" eaLnBrk="1" latinLnBrk="0" hangingPunct="1">
+      <a:defRPr sz="1200" kern="1200">
+        <a:solidFill>
+          <a:schemeClr val="tx1"/>
+        </a:solidFill>
+        <a:latin typeface="+mn-lt"/>
+        <a:ea typeface="+mn-ea"/>
+        <a:cs typeface="+mn-cs"/>
+      </a:defRPr>
+    </a:lvl3pPr>
+    <a:lvl4pPr marL="1371600" algn="l" defTabSz="457200" rtl="0" eaLnBrk="1" latinLnBrk="0" hangingPunct="1">
+      <a:defRPr sz="1200" kern="1200">
+        <a:solidFill>
+          <a:schemeClr val="tx1"/>
+        </a:solidFill>
+        <a:latin typeface="+mn-lt"/>
+        <a:ea typeface="+mn-ea"/>
+        <a:cs typeface="+mn-cs"/>
+      </a:defRPr>
+    </a:lvl4pPr>
+    <a:lvl5pPr marL="1828800" algn="l" defTabSz="457200" rtl="0" eaLnBrk="1" latinLnBrk="0" hangingPunct="1">
+      <a:defRPr sz="1200" kern="1200">
+        <a:solidFill>
+          <a:schemeClr val="tx1"/>
+        </a:solidFill>
+        <a:latin typeface="+mn-lt"/>
+        <a:ea typeface="+mn-ea"/>
+        <a:cs typeface="+mn-cs"/>
+      </a:defRPr>
+    </a:lvl5pPr>
+    <a:lvl6pPr marL="2286000" algn="l" defTabSz="457200" rtl="0" eaLnBrk="1" latinLnBrk="0" hangingPunct="1">
+      <a:defRPr sz="1200" kern="1200">
+        <a:solidFill>
+          <a:schemeClr val="tx1"/>
+        </a:solidFill>
+        <a:latin typeface="+mn-lt"/>
+        <a:ea typeface="+mn-ea"/>
+        <a:cs typeface="+mn-cs"/>
+      </a:defRPr>
+    </a:lvl6pPr>
+    <a:lvl7pPr marL="2743200" algn="l" defTabSz="457200" rtl="0" eaLnBrk="1" latinLnBrk="0" hangingPunct="1">
+      <a:defRPr sz="1200" kern="1200">
+        <a:solidFill>
+          <a:schemeClr val="tx1"/>
+        </a:solidFill>
+        <a:latin typeface="+mn-lt"/>
+        <a:ea typeface="+mn-ea"/>
+        <a:cs typeface="+mn-cs"/>
+      </a:defRPr>
+    </a:lvl7pPr>
+    <a:lvl8pPr marL="3200400" algn="l" defTabSz="457200" rtl="0" eaLnBrk="1" latinLnBrk="0" hangingPunct="1">
+      <a:defRPr sz="1200" kern="1200">
+        <a:solidFill>
+          <a:schemeClr val="tx1"/>
+        </a:solidFill>
+        <a:latin typeface="+mn-lt"/>
+        <a:ea typeface="+mn-ea"/>
+        <a:cs typeface="+mn-cs"/>
+      </a:defRPr>
+    </a:lvl8pPr>
+    <a:lvl9pPr marL="3657600" algn="l" defTabSz="457200" rtl="0" eaLnBrk="1" latinLnBrk="0" hangingPunct="1">
+      <a:defRPr sz="1200" kern="1200">
+        <a:solidFill>
+          <a:schemeClr val="tx1"/>
+        </a:solidFill>
+        <a:latin typeface="+mn-lt"/>
+        <a:ea typeface="+mn-ea"/>
+        <a:cs typeface="+mn-cs"/>
+      </a:defRPr>
+    </a:lvl9pPr>
+  </p:notesStyle>
+</p:notesMaster>
+</file>
+
+<file path=ppt/notesSlides/notesSlide1.xml><?xml version="1.0" encoding="utf-8"?>
+<p:notes xmlns:a="http://schemas.openxmlformats.org/drawingml/2006/main" xmlns:r="http://schemas.openxmlformats.org/officeDocument/2006/relationships" xmlns:mc="http://schemas.openxmlformats.org/markup-compatibility/2006" xmlns:mv="urn:schemas-microsoft-com:mac:vml" xmlns:p="http://schemas.openxmlformats.org/presentationml/2006/main" mc:Ignorable="mv" mc:PreserveAttributes="mv:*">
+  <p:cSld>
+    <p:spTree>
+      <p:nvGrpSpPr>
+        <p:cNvPr id="1" name=""/>
+        <p:cNvGrpSpPr/>
+        <p:nvPr/>
+      </p:nvGrpSpPr>
+      <p:grpSpPr>
+        <a:xfrm>
+          <a:off x="0" y="0"/>
+          <a:ext cx="0" cy="0"/>
+          <a:chOff x="0" y="0"/>
+          <a:chExt cx="0" cy="0"/>
+        </a:xfrm>
+      </p:grpSpPr>
+      <p:sp>
+        <p:nvSpPr>
+          <p:cNvPr id="2" name="Slide Image Placeholder 1"/>
+          <p:cNvSpPr>
+            <a:spLocks noGrp="1" noRot="1" noChangeAspect="1"/>
+          </p:cNvSpPr>
+          <p:nvPr>
+            <p:ph type="sldImg"/>
+          </p:nvPr>
+        </p:nvSpPr>
+        <p:spPr/>
+      </p:sp>
+      <p:sp>
+        <p:nvSpPr>
+          <p:cNvPr id="3" name="Notes Placeholder 2"/>
+          <p:cNvSpPr>
+            <a:spLocks noGrp="1"/>
+          </p:cNvSpPr>
+          <p:nvPr>
+            <p:ph type="body" idx="1"/>
+          </p:nvPr>
+        </p:nvSpPr>
+        <p:spPr/>
+        <p:txBody>
+          <a:bodyPr>
+            <a:normAutofit/>
+          </a:bodyPr>
+          <a:lstStyle/>
+          <a:p>
+            <a:endParaRPr lang="en-US"/>
+          </a:p>
+        </p:txBody>
+      </p:sp>
+      <p:sp>
+        <p:nvSpPr>
+          <p:cNvPr id="4" name="Slide Number Placeholder 3"/>
+          <p:cNvSpPr>
+            <a:spLocks noGrp="1"/>
+          </p:cNvSpPr>
+          <p:nvPr>
+            <p:ph type="sldNum" sz="quarter" idx="10"/>
+          </p:nvPr>
+        </p:nvSpPr>
+        <p:spPr/>
+        <p:txBody>
+          <a:bodyPr/>
+          <a:lstStyle/>
+          <a:p>
+            <a:fld id="{4AC2D7F2-CF1C-4345-987A-6858B50CEC73}" type="slidenum">
+              <a:rPr lang="en-US" smtClean="0"/>
+              <a:t>2</a:t>
+            </a:fld>
+            <a:endParaRPr lang="en-US"/>
+          </a:p>
+        </p:txBody>
+      </p:sp>
+    </p:spTree>
+  </p:cSld>
+  <p:clrMapOvr>
+    <a:masterClrMapping/>
+  </p:clrMapOvr>
+</p:notes>
+</file>
+
 <file path=ppt/slideLayouts/slideLayout1.xml><?xml version="1.0" encoding="utf-8"?>
 <p:sldLayout xmlns:a="http://schemas.openxmlformats.org/drawingml/2006/main" xmlns:r="http://schemas.openxmlformats.org/officeDocument/2006/relationships" xmlns:mc="http://schemas.openxmlformats.org/markup-compatibility/2006" xmlns:mv="urn:schemas-microsoft-com:mac:vml" xmlns:p="http://schemas.openxmlformats.org/presentationml/2006/main" mc:Ignorable="mv" mc:PreserveAttributes="mv:*" type="title" preserve="1">
   <p:cSld name="Title Slide">
@@ -298,9 +889,9 @@
           <a:bodyPr/>
           <a:lstStyle/>
           <a:p>
-            <a:fld id="{51E52371-4C20-5140-A6D4-D340A7923080}" type="datetimeFigureOut">
-              <a:rPr lang="en-US" smtClean="0"/>
-              <a:t>2/29/12</a:t>
+            <a:fld id="{C6DC7013-C1A1-C341-90B6-7E7E3B2D1685}" type="datetime1">
+              <a:rPr lang="en-US" smtClean="0"/>
+              <a:t>3/1/12</a:t>
             </a:fld>
             <a:endParaRPr lang="en-US"/>
           </a:p>
@@ -342,6 +933,7 @@
           <a:p>
             <a:fld id="{401AD3EB-31DF-2C48-9585-27B7505CC84E}" type="slidenum">
               <a:rPr lang="en-US" smtClean="0"/>
+              <a:pPr/>
               <a:t>‹#›</a:t>
             </a:fld>
             <a:endParaRPr lang="en-US"/>
@@ -463,9 +1055,9 @@
           <a:bodyPr/>
           <a:lstStyle/>
           <a:p>
-            <a:fld id="{51E52371-4C20-5140-A6D4-D340A7923080}" type="datetimeFigureOut">
-              <a:rPr lang="en-US" smtClean="0"/>
-              <a:t>2/29/12</a:t>
+            <a:fld id="{CC8975AA-2AF1-0542-BB5B-EB2FD5E856FE}" type="datetime1">
+              <a:rPr lang="en-US" smtClean="0"/>
+              <a:t>3/1/12</a:t>
             </a:fld>
             <a:endParaRPr lang="en-US"/>
           </a:p>
@@ -507,6 +1099,7 @@
           <a:p>
             <a:fld id="{401AD3EB-31DF-2C48-9585-27B7505CC84E}" type="slidenum">
               <a:rPr lang="en-US" smtClean="0"/>
+              <a:pPr/>
               <a:t>‹#›</a:t>
             </a:fld>
             <a:endParaRPr lang="en-US"/>
@@ -638,9 +1231,9 @@
           <a:bodyPr/>
           <a:lstStyle/>
           <a:p>
-            <a:fld id="{51E52371-4C20-5140-A6D4-D340A7923080}" type="datetimeFigureOut">
-              <a:rPr lang="en-US" smtClean="0"/>
-              <a:t>2/29/12</a:t>
+            <a:fld id="{391D9C1B-FCDF-E743-9B54-E93373F96A56}" type="datetime1">
+              <a:rPr lang="en-US" smtClean="0"/>
+              <a:t>3/1/12</a:t>
             </a:fld>
             <a:endParaRPr lang="en-US"/>
           </a:p>
@@ -682,6 +1275,7 @@
           <a:p>
             <a:fld id="{401AD3EB-31DF-2C48-9585-27B7505CC84E}" type="slidenum">
               <a:rPr lang="en-US" smtClean="0"/>
+              <a:pPr/>
               <a:t>‹#›</a:t>
             </a:fld>
             <a:endParaRPr lang="en-US"/>
@@ -803,9 +1397,9 @@
           <a:bodyPr/>
           <a:lstStyle/>
           <a:p>
-            <a:fld id="{51E52371-4C20-5140-A6D4-D340A7923080}" type="datetimeFigureOut">
-              <a:rPr lang="en-US" smtClean="0"/>
-              <a:t>2/29/12</a:t>
+            <a:fld id="{62F29890-95C8-7C4F-8D59-79310348574D}" type="datetime1">
+              <a:rPr lang="en-US" smtClean="0"/>
+              <a:t>3/1/12</a:t>
             </a:fld>
             <a:endParaRPr lang="en-US"/>
           </a:p>
@@ -847,6 +1441,7 @@
           <a:p>
             <a:fld id="{401AD3EB-31DF-2C48-9585-27B7505CC84E}" type="slidenum">
               <a:rPr lang="en-US" smtClean="0"/>
+              <a:pPr/>
               <a:t>‹#›</a:t>
             </a:fld>
             <a:endParaRPr lang="en-US"/>
@@ -1044,9 +1639,9 @@
           <a:bodyPr/>
           <a:lstStyle/>
           <a:p>
-            <a:fld id="{51E52371-4C20-5140-A6D4-D340A7923080}" type="datetimeFigureOut">
-              <a:rPr lang="en-US" smtClean="0"/>
-              <a:t>2/29/12</a:t>
+            <a:fld id="{53884F0E-17FC-C74E-A9F7-780DE4B7033B}" type="datetime1">
+              <a:rPr lang="en-US" smtClean="0"/>
+              <a:t>3/1/12</a:t>
             </a:fld>
             <a:endParaRPr lang="en-US"/>
           </a:p>
@@ -1088,6 +1683,7 @@
           <a:p>
             <a:fld id="{401AD3EB-31DF-2C48-9585-27B7505CC84E}" type="slidenum">
               <a:rPr lang="en-US" smtClean="0"/>
+              <a:pPr/>
               <a:t>‹#›</a:t>
             </a:fld>
             <a:endParaRPr lang="en-US"/>
@@ -1327,9 +1923,9 @@
           <a:bodyPr/>
           <a:lstStyle/>
           <a:p>
-            <a:fld id="{51E52371-4C20-5140-A6D4-D340A7923080}" type="datetimeFigureOut">
-              <a:rPr lang="en-US" smtClean="0"/>
-              <a:t>2/29/12</a:t>
+            <a:fld id="{3E921AF7-54FE-3A43-B74D-F787325D3B20}" type="datetime1">
+              <a:rPr lang="en-US" smtClean="0"/>
+              <a:t>3/1/12</a:t>
             </a:fld>
             <a:endParaRPr lang="en-US"/>
           </a:p>
@@ -1371,6 +1967,7 @@
           <a:p>
             <a:fld id="{401AD3EB-31DF-2C48-9585-27B7505CC84E}" type="slidenum">
               <a:rPr lang="en-US" smtClean="0"/>
+              <a:pPr/>
               <a:t>‹#›</a:t>
             </a:fld>
             <a:endParaRPr lang="en-US"/>
@@ -1744,9 +2341,9 @@
           <a:bodyPr/>
           <a:lstStyle/>
           <a:p>
-            <a:fld id="{51E52371-4C20-5140-A6D4-D340A7923080}" type="datetimeFigureOut">
-              <a:rPr lang="en-US" smtClean="0"/>
-              <a:t>2/29/12</a:t>
+            <a:fld id="{643501BB-DF44-6F4A-A45E-0B2D2BE21013}" type="datetime1">
+              <a:rPr lang="en-US" smtClean="0"/>
+              <a:t>3/1/12</a:t>
             </a:fld>
             <a:endParaRPr lang="en-US"/>
           </a:p>
@@ -1788,6 +2385,7 @@
           <a:p>
             <a:fld id="{401AD3EB-31DF-2C48-9585-27B7505CC84E}" type="slidenum">
               <a:rPr lang="en-US" smtClean="0"/>
+              <a:pPr/>
               <a:t>‹#›</a:t>
             </a:fld>
             <a:endParaRPr lang="en-US"/>
@@ -1857,9 +2455,9 @@
           <a:bodyPr/>
           <a:lstStyle/>
           <a:p>
-            <a:fld id="{51E52371-4C20-5140-A6D4-D340A7923080}" type="datetimeFigureOut">
-              <a:rPr lang="en-US" smtClean="0"/>
-              <a:t>2/29/12</a:t>
+            <a:fld id="{1BC7DE16-CE5E-964B-A128-4B63CCE2C465}" type="datetime1">
+              <a:rPr lang="en-US" smtClean="0"/>
+              <a:t>3/1/12</a:t>
             </a:fld>
             <a:endParaRPr lang="en-US"/>
           </a:p>
@@ -1901,6 +2499,7 @@
           <a:p>
             <a:fld id="{401AD3EB-31DF-2C48-9585-27B7505CC84E}" type="slidenum">
               <a:rPr lang="en-US" smtClean="0"/>
+              <a:pPr/>
               <a:t>‹#›</a:t>
             </a:fld>
             <a:endParaRPr lang="en-US"/>
@@ -1947,9 +2546,9 @@
           <a:bodyPr/>
           <a:lstStyle/>
           <a:p>
-            <a:fld id="{51E52371-4C20-5140-A6D4-D340A7923080}" type="datetimeFigureOut">
-              <a:rPr lang="en-US" smtClean="0"/>
-              <a:t>2/29/12</a:t>
+            <a:fld id="{C3DE6443-3AAE-2A4D-BAF7-8CF863C0CA23}" type="datetime1">
+              <a:rPr lang="en-US" smtClean="0"/>
+              <a:t>3/1/12</a:t>
             </a:fld>
             <a:endParaRPr lang="en-US"/>
           </a:p>
@@ -1991,6 +2590,7 @@
           <a:p>
             <a:fld id="{401AD3EB-31DF-2C48-9585-27B7505CC84E}" type="slidenum">
               <a:rPr lang="en-US" smtClean="0"/>
+              <a:pPr/>
               <a:t>‹#›</a:t>
             </a:fld>
             <a:endParaRPr lang="en-US"/>
@@ -2219,9 +2819,9 @@
           <a:bodyPr/>
           <a:lstStyle/>
           <a:p>
-            <a:fld id="{51E52371-4C20-5140-A6D4-D340A7923080}" type="datetimeFigureOut">
-              <a:rPr lang="en-US" smtClean="0"/>
-              <a:t>2/29/12</a:t>
+            <a:fld id="{D087D37A-0AE5-264F-8849-762D10DAF3E9}" type="datetime1">
+              <a:rPr lang="en-US" smtClean="0"/>
+              <a:t>3/1/12</a:t>
             </a:fld>
             <a:endParaRPr lang="en-US"/>
           </a:p>
@@ -2263,6 +2863,7 @@
           <a:p>
             <a:fld id="{401AD3EB-31DF-2C48-9585-27B7505CC84E}" type="slidenum">
               <a:rPr lang="en-US" smtClean="0"/>
+              <a:pPr/>
               <a:t>‹#›</a:t>
             </a:fld>
             <a:endParaRPr lang="en-US"/>
@@ -2467,9 +3068,9 @@
           <a:bodyPr/>
           <a:lstStyle/>
           <a:p>
-            <a:fld id="{51E52371-4C20-5140-A6D4-D340A7923080}" type="datetimeFigureOut">
-              <a:rPr lang="en-US" smtClean="0"/>
-              <a:t>2/29/12</a:t>
+            <a:fld id="{46C223DA-14BD-8C48-8E16-DB444E80E253}" type="datetime1">
+              <a:rPr lang="en-US" smtClean="0"/>
+              <a:t>3/1/12</a:t>
             </a:fld>
             <a:endParaRPr lang="en-US"/>
           </a:p>
@@ -2511,6 +3112,7 @@
           <a:p>
             <a:fld id="{401AD3EB-31DF-2C48-9585-27B7505CC84E}" type="slidenum">
               <a:rPr lang="en-US" smtClean="0"/>
+              <a:pPr/>
               <a:t>‹#›</a:t>
             </a:fld>
             <a:endParaRPr lang="en-US"/>
@@ -2675,9 +3277,9 @@
             </a:lvl1pPr>
           </a:lstStyle>
           <a:p>
-            <a:fld id="{51E52371-4C20-5140-A6D4-D340A7923080}" type="datetimeFigureOut">
-              <a:rPr lang="en-US" smtClean="0"/>
-              <a:t>2/29/12</a:t>
+            <a:fld id="{50454092-C87E-614C-A1CC-13D8529096AB}" type="datetime1">
+              <a:rPr lang="en-US" smtClean="0"/>
+              <a:t>3/1/12</a:t>
             </a:fld>
             <a:endParaRPr lang="en-US"/>
           </a:p>
@@ -2755,6 +3357,7 @@
           <a:p>
             <a:fld id="{401AD3EB-31DF-2C48-9585-27B7505CC84E}" type="slidenum">
               <a:rPr lang="en-US" smtClean="0"/>
+              <a:pPr/>
               <a:t>‹#›</a:t>
             </a:fld>
             <a:endParaRPr lang="en-US"/>
@@ -2777,6 +3380,7 @@
     <p:sldLayoutId r:id="rId10"/>
     <p:sldLayoutId r:id="rId11"/>
   </p:sldLayoutIdLst>
+  <p:hf hdr="0" ftr="0" dt="0"/>
   <p:txStyles>
     <p:titleStyle>
       <a:lvl1pPr algn="ctr" defTabSz="457200" rtl="0" eaLnBrk="1" latinLnBrk="0" hangingPunct="1">
@@ -3064,7 +3668,18 @@
           <a:p>
             <a:r>
               <a:rPr lang="en-US" dirty="0" smtClean="0"/>
-              <a:t>AWE-WQ</a:t>
+              <a:t>AWE</a:t>
+            </a:r>
+            <a:br>
+              <a:rPr lang="en-US" dirty="0" smtClean="0"/>
+            </a:br>
+            <a:r>
+              <a:rPr lang="en-US" dirty="0" smtClean="0"/>
+              <a:t>with </a:t>
+            </a:r>
+            <a:r>
+              <a:rPr lang="en-US" dirty="0" err="1" smtClean="0"/>
+              <a:t>WorkQueue</a:t>
             </a:r>
             <a:endParaRPr lang="en-US" dirty="0"/>
           </a:p>
@@ -3086,6 +3701,25 @@
           <a:lstStyle/>
           <a:p>
             <a:endParaRPr lang="en-US"/>
+          </a:p>
+        </p:txBody>
+      </p:sp>
+      <p:sp>
+        <p:nvSpPr>
+          <p:cNvPr id="4" name="Slide Number Placeholder 3"/>
+          <p:cNvSpPr>
+            <a:spLocks noGrp="1"/>
+          </p:cNvSpPr>
+          <p:nvPr>
+            <p:ph type="sldNum" sz="quarter" idx="12"/>
+          </p:nvPr>
+        </p:nvSpPr>
+        <p:spPr/>
+        <p:txBody>
+          <a:bodyPr/>
+          <a:lstStyle/>
+          <a:p>
+            <a:endParaRPr lang="en-US" dirty="0"/>
           </a:p>
         </p:txBody>
       </p:sp>
@@ -3094,439 +3728,13 @@
   <p:clrMapOvr>
     <a:masterClrMapping/>
   </p:clrMapOvr>
-</p:sld>
-</file>
-
-<file path=ppt/slides/slide10.xml><?xml version="1.0" encoding="utf-8"?>
-<p:sld xmlns:a="http://schemas.openxmlformats.org/drawingml/2006/main" xmlns:r="http://schemas.openxmlformats.org/officeDocument/2006/relationships" xmlns:mc="http://schemas.openxmlformats.org/markup-compatibility/2006" xmlns:mv="urn:schemas-microsoft-com:mac:vml" xmlns:p="http://schemas.openxmlformats.org/presentationml/2006/main" mc:Ignorable="mv" mc:PreserveAttributes="mv:*">
-  <p:cSld>
-    <p:spTree>
-      <p:nvGrpSpPr>
-        <p:cNvPr id="1" name=""/>
-        <p:cNvGrpSpPr/>
-        <p:nvPr/>
-      </p:nvGrpSpPr>
-      <p:grpSpPr>
-        <a:xfrm>
-          <a:off x="0" y="0"/>
-          <a:ext cx="0" cy="0"/>
-          <a:chOff x="0" y="0"/>
-          <a:chExt cx="0" cy="0"/>
-        </a:xfrm>
-      </p:grpSpPr>
-      <p:sp>
-        <p:nvSpPr>
-          <p:cNvPr id="2" name="Title 1"/>
-          <p:cNvSpPr>
-            <a:spLocks noGrp="1"/>
-          </p:cNvSpPr>
-          <p:nvPr>
-            <p:ph type="title"/>
-          </p:nvPr>
-        </p:nvSpPr>
-        <p:spPr/>
-        <p:txBody>
-          <a:bodyPr/>
-          <a:lstStyle/>
-          <a:p>
-            <a:r>
-              <a:rPr lang="en-US" dirty="0" err="1" smtClean="0"/>
-              <a:t>WorkQueue</a:t>
-            </a:r>
-            <a:r>
-              <a:rPr lang="en-US" dirty="0" smtClean="0"/>
-              <a:t> total tasks dispatched</a:t>
-            </a:r>
-            <a:endParaRPr lang="en-US" dirty="0"/>
-          </a:p>
-        </p:txBody>
-      </p:sp>
-      <p:pic>
-        <p:nvPicPr>
-          <p:cNvPr id="4" name="Content Placeholder 3" descr="wq_total_tasks_dispatched.png"/>
-          <p:cNvPicPr>
-            <a:picLocks noGrp="1" noChangeAspect="1"/>
-          </p:cNvPicPr>
-          <p:nvPr>
-            <p:ph type="pic" idx="1"/>
-          </p:nvPr>
-        </p:nvPicPr>
-        <p:blipFill>
-          <a:blip r:embed="rId2"/>
-          <a:srcRect/>
-          <a:stretch>
-            <a:fillRect/>
-          </a:stretch>
-        </p:blipFill>
-        <p:spPr/>
-      </p:pic>
-      <p:sp>
-        <p:nvSpPr>
-          <p:cNvPr id="5" name="Text Placeholder 4"/>
-          <p:cNvSpPr>
-            <a:spLocks noGrp="1"/>
-          </p:cNvSpPr>
-          <p:nvPr>
-            <p:ph type="body" sz="half" idx="2"/>
-          </p:nvPr>
-        </p:nvSpPr>
-        <p:spPr/>
-        <p:txBody>
-          <a:bodyPr/>
-          <a:lstStyle/>
-          <a:p>
-            <a:endParaRPr lang="en-US"/>
-          </a:p>
-        </p:txBody>
-      </p:sp>
-    </p:spTree>
-  </p:cSld>
-  <p:clrMapOvr>
-    <a:masterClrMapping/>
-  </p:clrMapOvr>
-</p:sld>
-</file>
-
-<file path=ppt/slides/slide11.xml><?xml version="1.0" encoding="utf-8"?>
-<p:sld xmlns:a="http://schemas.openxmlformats.org/drawingml/2006/main" xmlns:r="http://schemas.openxmlformats.org/officeDocument/2006/relationships" xmlns:mc="http://schemas.openxmlformats.org/markup-compatibility/2006" xmlns:mv="urn:schemas-microsoft-com:mac:vml" xmlns:p="http://schemas.openxmlformats.org/presentationml/2006/main" mc:Ignorable="mv" mc:PreserveAttributes="mv:*">
-  <p:cSld>
-    <p:spTree>
-      <p:nvGrpSpPr>
-        <p:cNvPr id="1" name=""/>
-        <p:cNvGrpSpPr/>
-        <p:nvPr/>
-      </p:nvGrpSpPr>
-      <p:grpSpPr>
-        <a:xfrm>
-          <a:off x="0" y="0"/>
-          <a:ext cx="0" cy="0"/>
-          <a:chOff x="0" y="0"/>
-          <a:chExt cx="0" cy="0"/>
-        </a:xfrm>
-      </p:grpSpPr>
-      <p:sp>
-        <p:nvSpPr>
-          <p:cNvPr id="4" name="Title 3"/>
-          <p:cNvSpPr>
-            <a:spLocks noGrp="1"/>
-          </p:cNvSpPr>
-          <p:nvPr>
-            <p:ph type="title"/>
-          </p:nvPr>
-        </p:nvSpPr>
-        <p:spPr/>
-        <p:txBody>
-          <a:bodyPr/>
-          <a:lstStyle/>
-          <a:p>
-            <a:r>
-              <a:rPr lang="en-US" dirty="0" err="1" smtClean="0"/>
-              <a:t>WorkQueue</a:t>
-            </a:r>
-            <a:r>
-              <a:rPr lang="en-US" dirty="0" smtClean="0"/>
-              <a:t> Send/Receive times</a:t>
-            </a:r>
-            <a:endParaRPr lang="en-US" dirty="0"/>
-          </a:p>
-        </p:txBody>
-      </p:sp>
-      <p:sp>
-        <p:nvSpPr>
-          <p:cNvPr id="5" name="Text Placeholder 4"/>
-          <p:cNvSpPr>
-            <a:spLocks noGrp="1"/>
-          </p:cNvSpPr>
-          <p:nvPr>
-            <p:ph type="body" idx="1"/>
-          </p:nvPr>
-        </p:nvSpPr>
-        <p:spPr/>
-        <p:txBody>
-          <a:bodyPr/>
-          <a:lstStyle/>
-          <a:p>
-            <a:r>
-              <a:rPr lang="en-US" dirty="0" smtClean="0"/>
-              <a:t>Total send time</a:t>
-            </a:r>
-            <a:endParaRPr lang="en-US" dirty="0"/>
-          </a:p>
-        </p:txBody>
-      </p:sp>
-      <p:pic>
-        <p:nvPicPr>
-          <p:cNvPr id="9" name="Content Placeholder 8" descr="wq_total_send_time.png"/>
-          <p:cNvPicPr>
-            <a:picLocks noGrp="1" noChangeAspect="1"/>
-          </p:cNvPicPr>
-          <p:nvPr>
-            <p:ph sz="half" idx="2"/>
-          </p:nvPr>
-        </p:nvPicPr>
-        <p:blipFill>
-          <a:blip r:embed="rId2"/>
-          <a:stretch>
-            <a:fillRect/>
-          </a:stretch>
-        </p:blipFill>
-        <p:spPr>
-          <a:xfrm>
-            <a:off x="457200" y="2635448"/>
-            <a:ext cx="4040188" cy="3030141"/>
-          </a:xfrm>
-        </p:spPr>
-      </p:pic>
-      <p:sp>
-        <p:nvSpPr>
-          <p:cNvPr id="7" name="Text Placeholder 6"/>
-          <p:cNvSpPr>
-            <a:spLocks noGrp="1"/>
-          </p:cNvSpPr>
-          <p:nvPr>
-            <p:ph type="body" sz="quarter" idx="3"/>
-          </p:nvPr>
-        </p:nvSpPr>
-        <p:spPr/>
-        <p:txBody>
-          <a:bodyPr/>
-          <a:lstStyle/>
-          <a:p>
-            <a:r>
-              <a:rPr lang="en-US" dirty="0" smtClean="0"/>
-              <a:t>Total receive time</a:t>
-            </a:r>
-            <a:endParaRPr lang="en-US" dirty="0"/>
-          </a:p>
-        </p:txBody>
-      </p:sp>
-      <p:pic>
-        <p:nvPicPr>
-          <p:cNvPr id="10" name="Content Placeholder 9" descr="wq_total_receive_time.png"/>
-          <p:cNvPicPr>
-            <a:picLocks noGrp="1" noChangeAspect="1"/>
-          </p:cNvPicPr>
-          <p:nvPr>
-            <p:ph sz="quarter" idx="4"/>
-          </p:nvPr>
-        </p:nvPicPr>
-        <p:blipFill>
-          <a:blip r:embed="rId3"/>
-          <a:stretch>
-            <a:fillRect/>
-          </a:stretch>
-        </p:blipFill>
-        <p:spPr>
-          <a:xfrm>
-            <a:off x="4645025" y="2634853"/>
-            <a:ext cx="4041775" cy="3031331"/>
-          </a:xfrm>
-        </p:spPr>
-      </p:pic>
-    </p:spTree>
-  </p:cSld>
-  <p:clrMapOvr>
-    <a:masterClrMapping/>
-  </p:clrMapOvr>
-</p:sld>
-</file>
-
-<file path=ppt/slides/slide12.xml><?xml version="1.0" encoding="utf-8"?>
-<p:sld xmlns:a="http://schemas.openxmlformats.org/drawingml/2006/main" xmlns:r="http://schemas.openxmlformats.org/officeDocument/2006/relationships" xmlns:mc="http://schemas.openxmlformats.org/markup-compatibility/2006" xmlns:mv="urn:schemas-microsoft-com:mac:vml" xmlns:p="http://schemas.openxmlformats.org/presentationml/2006/main" mc:Ignorable="mv" mc:PreserveAttributes="mv:*">
-  <p:cSld>
-    <p:spTree>
-      <p:nvGrpSpPr>
-        <p:cNvPr id="1" name=""/>
-        <p:cNvGrpSpPr/>
-        <p:nvPr/>
-      </p:nvGrpSpPr>
-      <p:grpSpPr>
-        <a:xfrm>
-          <a:off x="0" y="0"/>
-          <a:ext cx="0" cy="0"/>
-          <a:chOff x="0" y="0"/>
-          <a:chExt cx="0" cy="0"/>
-        </a:xfrm>
-      </p:grpSpPr>
-      <p:sp>
-        <p:nvSpPr>
-          <p:cNvPr id="2" name="Title 1"/>
-          <p:cNvSpPr>
-            <a:spLocks noGrp="1"/>
-          </p:cNvSpPr>
-          <p:nvPr>
-            <p:ph type="title"/>
-          </p:nvPr>
-        </p:nvSpPr>
-        <p:spPr/>
-        <p:txBody>
-          <a:bodyPr/>
-          <a:lstStyle/>
-          <a:p>
-            <a:r>
-              <a:rPr lang="en-US" dirty="0" smtClean="0"/>
-              <a:t>AWE Iteration time</a:t>
-            </a:r>
-            <a:endParaRPr lang="en-US" dirty="0"/>
-          </a:p>
-        </p:txBody>
-      </p:sp>
-      <p:pic>
-        <p:nvPicPr>
-          <p:cNvPr id="4" name="Content Placeholder 3" descr="awe_iteration_time.png"/>
-          <p:cNvPicPr>
-            <a:picLocks noGrp="1" noChangeAspect="1"/>
-          </p:cNvPicPr>
-          <p:nvPr>
-            <p:ph type="pic" idx="1"/>
-          </p:nvPr>
-        </p:nvPicPr>
-        <p:blipFill>
-          <a:blip r:embed="rId2"/>
-          <a:srcRect/>
-          <a:stretch>
-            <a:fillRect/>
-          </a:stretch>
-        </p:blipFill>
-        <p:spPr/>
-      </p:pic>
-      <p:sp>
-        <p:nvSpPr>
-          <p:cNvPr id="5" name="Text Placeholder 4"/>
-          <p:cNvSpPr>
-            <a:spLocks noGrp="1"/>
-          </p:cNvSpPr>
-          <p:nvPr>
-            <p:ph type="body" sz="half" idx="2"/>
-          </p:nvPr>
-        </p:nvSpPr>
-        <p:spPr/>
-        <p:txBody>
-          <a:bodyPr>
-            <a:normAutofit fontScale="92500" lnSpcReduction="20000"/>
-          </a:bodyPr>
-          <a:lstStyle/>
-          <a:p>
-            <a:r>
-              <a:rPr lang="en-US" dirty="0" smtClean="0"/>
-              <a:t>The time taken to complete each iteration. An iteration = submission of tasks, barrier, resampling.</a:t>
-            </a:r>
-          </a:p>
-          <a:p>
-            <a:r>
-              <a:rPr lang="en-US" dirty="0" smtClean="0"/>
-              <a:t>The initial spike is the time to download the MD program binary to the workers.</a:t>
-            </a:r>
-            <a:endParaRPr lang="en-US" dirty="0"/>
-          </a:p>
-        </p:txBody>
-      </p:sp>
-    </p:spTree>
-  </p:cSld>
-  <p:clrMapOvr>
-    <a:masterClrMapping/>
-  </p:clrMapOvr>
-</p:sld>
-</file>
-
-<file path=ppt/slides/slide13.xml><?xml version="1.0" encoding="utf-8"?>
-<p:sld xmlns:a="http://schemas.openxmlformats.org/drawingml/2006/main" xmlns:r="http://schemas.openxmlformats.org/officeDocument/2006/relationships" xmlns:mc="http://schemas.openxmlformats.org/markup-compatibility/2006" xmlns:mv="urn:schemas-microsoft-com:mac:vml" xmlns:p="http://schemas.openxmlformats.org/presentationml/2006/main" mc:Ignorable="mv" mc:PreserveAttributes="mv:*">
-  <p:cSld>
-    <p:spTree>
-      <p:nvGrpSpPr>
-        <p:cNvPr id="1" name=""/>
-        <p:cNvGrpSpPr/>
-        <p:nvPr/>
-      </p:nvGrpSpPr>
-      <p:grpSpPr>
-        <a:xfrm>
-          <a:off x="0" y="0"/>
-          <a:ext cx="0" cy="0"/>
-          <a:chOff x="0" y="0"/>
-          <a:chExt cx="0" cy="0"/>
-        </a:xfrm>
-      </p:grpSpPr>
-      <p:sp>
-        <p:nvSpPr>
-          <p:cNvPr id="2" name="Title 1"/>
-          <p:cNvSpPr>
-            <a:spLocks noGrp="1"/>
-          </p:cNvSpPr>
-          <p:nvPr>
-            <p:ph type="title"/>
-          </p:nvPr>
-        </p:nvSpPr>
-        <p:spPr/>
-        <p:txBody>
-          <a:bodyPr/>
-          <a:lstStyle/>
-          <a:p>
-            <a:r>
-              <a:rPr lang="en-US" dirty="0" smtClean="0"/>
-              <a:t>AWE Resampling time</a:t>
-            </a:r>
-            <a:endParaRPr lang="en-US" dirty="0"/>
-          </a:p>
-        </p:txBody>
-      </p:sp>
-      <p:pic>
-        <p:nvPicPr>
-          <p:cNvPr id="4" name="Content Placeholder 3" descr="awe_resample_time.png"/>
-          <p:cNvPicPr>
-            <a:picLocks noGrp="1" noChangeAspect="1"/>
-          </p:cNvPicPr>
-          <p:nvPr>
-            <p:ph type="pic" idx="1"/>
-          </p:nvPr>
-        </p:nvPicPr>
-        <p:blipFill>
-          <a:blip r:embed="rId2"/>
-          <a:srcRect/>
-          <a:stretch>
-            <a:fillRect/>
-          </a:stretch>
-        </p:blipFill>
-        <p:spPr/>
-      </p:pic>
-      <p:sp>
-        <p:nvSpPr>
-          <p:cNvPr id="5" name="Text Placeholder 4"/>
-          <p:cNvSpPr>
-            <a:spLocks noGrp="1"/>
-          </p:cNvSpPr>
-          <p:nvPr>
-            <p:ph type="body" sz="half" idx="2"/>
-          </p:nvPr>
-        </p:nvSpPr>
-        <p:spPr/>
-        <p:txBody>
-          <a:bodyPr/>
-          <a:lstStyle/>
-          <a:p>
-            <a:r>
-              <a:rPr lang="en-US" dirty="0" smtClean="0"/>
-              <a:t>Caveat: each call to </a:t>
-            </a:r>
-            <a:r>
-              <a:rPr lang="en-US" dirty="0" smtClean="0">
-                <a:latin typeface="Courier New"/>
-                <a:cs typeface="Courier New"/>
-              </a:rPr>
-              <a:t>resample </a:t>
-            </a:r>
-            <a:r>
-              <a:rPr lang="en-US" dirty="0" smtClean="0"/>
-              <a:t>saves the weights to file.</a:t>
-            </a:r>
-            <a:endParaRPr lang="en-US" dirty="0"/>
-          </a:p>
-        </p:txBody>
-      </p:sp>
-    </p:spTree>
-  </p:cSld>
-  <p:clrMapOvr>
-    <a:masterClrMapping/>
-  </p:clrMapOvr>
+  <p:timing>
+    <p:tnLst>
+      <p:par>
+        <p:cTn id="1" dur="indefinite" restart="never" nodeType="tmRoot"/>
+      </p:par>
+    </p:tnLst>
+  </p:timing>
 </p:sld>
 </file>
 
@@ -3564,76 +3772,56 @@
           <a:p>
             <a:r>
               <a:rPr lang="en-US" dirty="0" smtClean="0"/>
-              <a:t>Setup</a:t>
+              <a:t>Architecture</a:t>
             </a:r>
             <a:endParaRPr lang="en-US" dirty="0"/>
           </a:p>
         </p:txBody>
       </p:sp>
-      <p:sp>
-        <p:nvSpPr>
-          <p:cNvPr id="3" name="Content Placeholder 2"/>
-          <p:cNvSpPr>
-            <a:spLocks noGrp="1"/>
-          </p:cNvSpPr>
+      <p:pic>
+        <p:nvPicPr>
+          <p:cNvPr id="4" name="Content Placeholder 3" descr="awe-schema.png"/>
+          <p:cNvPicPr>
+            <a:picLocks noGrp="1" noChangeAspect="1"/>
+          </p:cNvPicPr>
           <p:nvPr>
             <p:ph idx="1"/>
           </p:nvPr>
-        </p:nvSpPr>
-        <p:spPr/>
-        <p:txBody>
-          <a:bodyPr>
-            <a:normAutofit lnSpcReduction="10000"/>
-          </a:bodyPr>
-          <a:lstStyle/>
-          <a:p>
-            <a:r>
-              <a:rPr lang="en-US" dirty="0" smtClean="0"/>
-              <a:t>5000 steps in each simulation</a:t>
-            </a:r>
-          </a:p>
-          <a:p>
-            <a:r>
-              <a:rPr lang="en-US" dirty="0" smtClean="0"/>
-              <a:t>Binary cached on workers’ first execution</a:t>
-            </a:r>
-          </a:p>
-          <a:p>
-            <a:r>
-              <a:rPr lang="en-US" dirty="0" smtClean="0"/>
-              <a:t>50 workers</a:t>
-            </a:r>
-          </a:p>
-          <a:p>
-            <a:r>
-              <a:rPr lang="en-US" dirty="0" smtClean="0"/>
-              <a:t>Alanine dipeptide</a:t>
-            </a:r>
-          </a:p>
-          <a:p>
-            <a:r>
-              <a:rPr lang="en-US" dirty="0" smtClean="0"/>
-              <a:t>100 cells</a:t>
-            </a:r>
-          </a:p>
-          <a:p>
-            <a:r>
-              <a:rPr lang="en-US" dirty="0" smtClean="0"/>
-              <a:t>10 walkers / cell</a:t>
-            </a:r>
-          </a:p>
-          <a:p>
-            <a:r>
-              <a:rPr lang="en-US" dirty="0" smtClean="0"/>
-              <a:t>1000 concurrent tasks</a:t>
-            </a:r>
-          </a:p>
-          <a:p>
-            <a:r>
-              <a:rPr lang="en-US" dirty="0" smtClean="0"/>
-              <a:t>30 iterations</a:t>
-            </a:r>
-            <a:endParaRPr lang="en-US" dirty="0"/>
+        </p:nvPicPr>
+        <p:blipFill>
+          <a:blip r:embed="rId2"/>
+          <a:stretch>
+            <a:fillRect/>
+          </a:stretch>
+        </p:blipFill>
+        <p:spPr>
+          <a:xfrm>
+            <a:off x="457200" y="2035300"/>
+            <a:ext cx="8229600" cy="3655762"/>
+          </a:xfrm>
+        </p:spPr>
+      </p:pic>
+      <p:sp>
+        <p:nvSpPr>
+          <p:cNvPr id="5" name="Slide Number Placeholder 4"/>
+          <p:cNvSpPr>
+            <a:spLocks noGrp="1"/>
+          </p:cNvSpPr>
+          <p:nvPr>
+            <p:ph type="sldNum" sz="quarter" idx="12"/>
+          </p:nvPr>
+        </p:nvSpPr>
+        <p:spPr/>
+        <p:txBody>
+          <a:bodyPr/>
+          <a:lstStyle/>
+          <a:p>
+            <a:fld id="{401AD3EB-31DF-2C48-9585-27B7505CC84E}" type="slidenum">
+              <a:rPr lang="en-US" smtClean="0"/>
+              <a:pPr/>
+              <a:t>1</a:t>
+            </a:fld>
+            <a:endParaRPr lang="en-US"/>
           </a:p>
         </p:txBody>
       </p:sp>
@@ -3642,6 +3830,13 @@
   <p:clrMapOvr>
     <a:masterClrMapping/>
   </p:clrMapOvr>
+  <p:timing>
+    <p:tnLst>
+      <p:par>
+        <p:cTn id="1" dur="indefinite" restart="never" nodeType="tmRoot"/>
+      </p:par>
+    </p:tnLst>
+  </p:timing>
 </p:sld>
 </file>
 
@@ -3679,40 +3874,220 @@
           <a:p>
             <a:r>
               <a:rPr lang="en-US" dirty="0" smtClean="0"/>
-              <a:t>Architecture</a:t>
+              <a:t>Task Overhead</a:t>
             </a:r>
             <a:endParaRPr lang="en-US" dirty="0"/>
           </a:p>
         </p:txBody>
       </p:sp>
-      <p:pic>
-        <p:nvPicPr>
-          <p:cNvPr id="4" name="Content Placeholder 3" descr="awe-schema.png"/>
-          <p:cNvPicPr>
-            <a:picLocks noGrp="1" noChangeAspect="1"/>
-          </p:cNvPicPr>
+      <p:sp>
+        <p:nvSpPr>
+          <p:cNvPr id="3" name="Content Placeholder 2"/>
+          <p:cNvSpPr>
+            <a:spLocks noGrp="1"/>
+          </p:cNvSpPr>
           <p:nvPr>
             <p:ph idx="1"/>
           </p:nvPr>
-        </p:nvPicPr>
-        <p:blipFill>
-          <a:blip r:embed="rId2"/>
-          <a:stretch>
-            <a:fillRect/>
-          </a:stretch>
-        </p:blipFill>
+        </p:nvSpPr>
+        <p:spPr/>
+        <p:txBody>
+          <a:bodyPr>
+            <a:normAutofit fontScale="77500" lnSpcReduction="20000"/>
+          </a:bodyPr>
+          <a:lstStyle/>
+          <a:p>
+            <a:r>
+              <a:rPr lang="en-US" dirty="0" smtClean="0"/>
+              <a:t>Solvated </a:t>
+            </a:r>
+            <a:r>
+              <a:rPr lang="en-US" dirty="0" smtClean="0"/>
+              <a:t>DHFR*: </a:t>
+            </a:r>
+            <a:r>
+              <a:rPr lang="en-US" dirty="0" smtClean="0"/>
+              <a:t>23569 atoms</a:t>
+            </a:r>
+          </a:p>
+          <a:p>
+            <a:r>
+              <a:rPr lang="en-US" dirty="0" err="1" smtClean="0"/>
+              <a:t>Gromacs</a:t>
+            </a:r>
+            <a:r>
+              <a:rPr lang="en-US" dirty="0" smtClean="0"/>
+              <a:t> 4.5.3</a:t>
+            </a:r>
+          </a:p>
+          <a:p>
+            <a:r>
+              <a:rPr lang="en-US" dirty="0" smtClean="0"/>
+              <a:t>Time to load system</a:t>
+            </a:r>
+          </a:p>
+          <a:p>
+            <a:pPr lvl="1"/>
+            <a:r>
+              <a:rPr lang="en-US" dirty="0" smtClean="0"/>
+              <a:t>Average: 0.67 seconds, std: 0.01</a:t>
+            </a:r>
+          </a:p>
+          <a:p>
+            <a:r>
+              <a:rPr lang="en-US" dirty="0" smtClean="0"/>
+              <a:t>1000 steps:</a:t>
+            </a:r>
+          </a:p>
+          <a:p>
+            <a:pPr lvl="1"/>
+            <a:r>
+              <a:rPr lang="en-US" dirty="0" smtClean="0"/>
+              <a:t>Single threaded:</a:t>
+            </a:r>
+          </a:p>
+          <a:p>
+            <a:pPr lvl="2"/>
+            <a:r>
+              <a:rPr lang="en-US" dirty="0" smtClean="0"/>
+              <a:t>Average: 113.4 seconds, std: 0.4</a:t>
+            </a:r>
+          </a:p>
+          <a:p>
+            <a:pPr lvl="1"/>
+            <a:r>
+              <a:rPr lang="en-US" dirty="0" smtClean="0"/>
+              <a:t>Multi threaded (24 cores)</a:t>
+            </a:r>
+          </a:p>
+          <a:p>
+            <a:pPr lvl="2"/>
+            <a:r>
+              <a:rPr lang="en-US" dirty="0" smtClean="0"/>
+              <a:t>Average: 6.96 seconds, std: 0.02</a:t>
+            </a:r>
+          </a:p>
+          <a:p>
+            <a:r>
+              <a:rPr lang="en-US" dirty="0" smtClean="0"/>
+              <a:t>Data Transfer time</a:t>
+            </a:r>
+          </a:p>
+          <a:p>
+            <a:pPr lvl="1"/>
+            <a:r>
+              <a:rPr lang="en-US" dirty="0" smtClean="0"/>
+              <a:t>Average 5.82 milliseconds, std: </a:t>
+            </a:r>
+            <a:r>
+              <a:rPr lang="en-US" dirty="0" smtClean="0"/>
+              <a:t>0.76</a:t>
+            </a:r>
+          </a:p>
+          <a:p>
+            <a:r>
+              <a:rPr lang="en-US" dirty="0" smtClean="0">
+                <a:solidFill>
+                  <a:schemeClr val="accent3">
+                    <a:lumMod val="50000"/>
+                  </a:schemeClr>
+                </a:solidFill>
+              </a:rPr>
+              <a:t>Overhead: 10% worst case</a:t>
+            </a:r>
+          </a:p>
+        </p:txBody>
+      </p:sp>
+      <p:sp>
+        <p:nvSpPr>
+          <p:cNvPr id="4" name="Slide Number Placeholder 3"/>
+          <p:cNvSpPr>
+            <a:spLocks noGrp="1"/>
+          </p:cNvSpPr>
+          <p:nvPr>
+            <p:ph type="sldNum" sz="quarter" idx="12"/>
+          </p:nvPr>
+        </p:nvSpPr>
+        <p:spPr/>
+        <p:txBody>
+          <a:bodyPr/>
+          <a:lstStyle/>
+          <a:p>
+            <a:fld id="{401AD3EB-31DF-2C48-9585-27B7505CC84E}" type="slidenum">
+              <a:rPr lang="en-US" smtClean="0"/>
+              <a:pPr/>
+              <a:t>2</a:t>
+            </a:fld>
+            <a:endParaRPr lang="en-US"/>
+          </a:p>
+        </p:txBody>
+      </p:sp>
+      <p:sp>
+        <p:nvSpPr>
+          <p:cNvPr id="6" name="TextBox 5"/>
+          <p:cNvSpPr txBox="1"/>
+          <p:nvPr/>
+        </p:nvSpPr>
         <p:spPr>
           <a:xfrm>
-            <a:off x="457200" y="2035300"/>
-            <a:ext cx="8229600" cy="3655762"/>
+            <a:off x="457200" y="6356350"/>
+            <a:ext cx="3153402" cy="276999"/>
           </a:xfrm>
+          <a:prstGeom prst="rect">
+            <a:avLst/>
+          </a:prstGeom>
+          <a:noFill/>
         </p:spPr>
-      </p:pic>
+        <p:txBody>
+          <a:bodyPr wrap="none" rtlCol="0">
+            <a:spAutoFit/>
+          </a:bodyPr>
+          <a:lstStyle/>
+          <a:p>
+            <a:r>
+              <a:rPr lang="en-US" sz="1200" dirty="0" smtClean="0"/>
+              <a:t>*System </a:t>
+            </a:r>
+            <a:r>
+              <a:rPr lang="en-US" sz="1200" dirty="0" err="1" smtClean="0"/>
+              <a:t>retreived</a:t>
+            </a:r>
+            <a:r>
+              <a:rPr lang="en-US" sz="1200" dirty="0" smtClean="0"/>
+              <a:t> from</a:t>
+            </a:r>
+            <a:r>
+              <a:rPr lang="en-US" sz="1200" dirty="0" smtClean="0"/>
+              <a:t> </a:t>
+            </a:r>
+            <a:r>
+              <a:rPr lang="en-US" sz="1200" dirty="0" err="1" smtClean="0"/>
+              <a:t>www.gromacs.org</a:t>
+            </a:r>
+            <a:r>
+              <a:rPr lang="en-US" sz="1200" dirty="0" smtClean="0"/>
+              <a:t>/</a:t>
+            </a:r>
+            <a:r>
+              <a:rPr lang="en-US" sz="1200" dirty="0" smtClean="0"/>
+              <a:t>GPU</a:t>
+            </a:r>
+            <a:endParaRPr lang="en-US" sz="1200" dirty="0"/>
+          </a:p>
+        </p:txBody>
+      </p:sp>
     </p:spTree>
   </p:cSld>
   <p:clrMapOvr>
     <a:masterClrMapping/>
   </p:clrMapOvr>
+  <p:timing>
+    <p:tnLst>
+      <p:par>
+        <p:cTn id="1" dur="indefinite" restart="never" nodeType="tmRoot"/>
+      </p:par>
+    </p:tnLst>
+  </p:timing>
 </p:sld>
 </file>
 
@@ -3750,51 +4125,133 @@
           <a:p>
             <a:r>
               <a:rPr lang="en-US" dirty="0" smtClean="0"/>
-              <a:t>Tasks computation time</a:t>
+              <a:t>Setup</a:t>
             </a:r>
             <a:endParaRPr lang="en-US" dirty="0"/>
           </a:p>
         </p:txBody>
       </p:sp>
-      <p:pic>
-        <p:nvPicPr>
-          <p:cNvPr id="4" name="Content Placeholder 3" descr="task_computation_time.png"/>
-          <p:cNvPicPr>
-            <a:picLocks noGrp="1" noChangeAspect="1"/>
-          </p:cNvPicPr>
-          <p:nvPr>
-            <p:ph type="pic" idx="1"/>
-          </p:nvPr>
-        </p:nvPicPr>
-        <p:blipFill>
-          <a:blip r:embed="rId2"/>
-          <a:srcRect/>
-          <a:stretch>
-            <a:fillRect/>
-          </a:stretch>
-        </p:blipFill>
-        <p:spPr/>
-      </p:pic>
-      <p:sp>
-        <p:nvSpPr>
-          <p:cNvPr id="5" name="Text Placeholder 4"/>
-          <p:cNvSpPr>
-            <a:spLocks noGrp="1"/>
-          </p:cNvSpPr>
-          <p:nvPr>
-            <p:ph type="body" sz="half" idx="2"/>
-          </p:nvPr>
-        </p:nvSpPr>
-        <p:spPr/>
-        <p:txBody>
-          <a:bodyPr/>
+      <p:sp>
+        <p:nvSpPr>
+          <p:cNvPr id="3" name="Content Placeholder 2"/>
+          <p:cNvSpPr>
+            <a:spLocks noGrp="1"/>
+          </p:cNvSpPr>
+          <p:nvPr>
+            <p:ph idx="1"/>
+          </p:nvPr>
+        </p:nvSpPr>
+        <p:spPr/>
+        <p:txBody>
+          <a:bodyPr>
+            <a:normAutofit lnSpcReduction="10000"/>
+          </a:bodyPr>
           <a:lstStyle/>
           <a:p>
             <a:r>
               <a:rPr lang="en-US" dirty="0" smtClean="0"/>
-              <a:t>Computation time: Time to execute command on worker</a:t>
+              <a:t>1000 steps </a:t>
+            </a:r>
+            <a:r>
+              <a:rPr lang="en-US" dirty="0" smtClean="0"/>
+              <a:t>in each </a:t>
+            </a:r>
+            <a:r>
+              <a:rPr lang="en-US" dirty="0" smtClean="0"/>
+              <a:t>simulation</a:t>
+            </a:r>
+          </a:p>
+          <a:p>
+            <a:r>
+              <a:rPr lang="en-US" dirty="0" err="1" smtClean="0"/>
+              <a:t>Gromacs</a:t>
+            </a:r>
+            <a:endParaRPr lang="en-US" dirty="0" smtClean="0"/>
+          </a:p>
+          <a:p>
+            <a:r>
+              <a:rPr lang="en-US" dirty="0" smtClean="0"/>
+              <a:t>50 workers</a:t>
+            </a:r>
+            <a:endParaRPr lang="en-US" dirty="0" smtClean="0"/>
+          </a:p>
+          <a:p>
+            <a:r>
+              <a:rPr lang="en-US" dirty="0" smtClean="0"/>
+              <a:t>DHFR (</a:t>
+            </a:r>
+            <a:r>
+              <a:rPr lang="en-US" dirty="0" smtClean="0"/>
+              <a:t>23569  </a:t>
+            </a:r>
+            <a:r>
+              <a:rPr lang="en-US" dirty="0" smtClean="0"/>
+              <a:t>atoms)</a:t>
+            </a:r>
+            <a:endParaRPr lang="en-US" dirty="0" smtClean="0"/>
+          </a:p>
+          <a:p>
+            <a:r>
+              <a:rPr lang="en-US" dirty="0" smtClean="0"/>
+              <a:t>10 </a:t>
+            </a:r>
+            <a:r>
+              <a:rPr lang="en-US" dirty="0" smtClean="0"/>
+              <a:t>cells</a:t>
+            </a:r>
+          </a:p>
+          <a:p>
+            <a:r>
+              <a:rPr lang="en-US" dirty="0" smtClean="0"/>
+              <a:t>10 walkers / cell</a:t>
+            </a:r>
+            <a:endParaRPr lang="en-US" dirty="0" smtClean="0"/>
+          </a:p>
+          <a:p>
+            <a:r>
+              <a:rPr lang="en-US" dirty="0" smtClean="0"/>
+              <a:t>100 </a:t>
+            </a:r>
+            <a:r>
+              <a:rPr lang="en-US" dirty="0" smtClean="0"/>
+              <a:t>concurrent tasks</a:t>
+            </a:r>
+            <a:endParaRPr lang="en-US" dirty="0" smtClean="0"/>
+          </a:p>
+          <a:p>
+            <a:r>
+              <a:rPr lang="en-US" dirty="0" smtClean="0"/>
+              <a:t>10 </a:t>
+            </a:r>
+            <a:r>
+              <a:rPr lang="en-US" dirty="0" smtClean="0"/>
+              <a:t>iterations</a:t>
             </a:r>
             <a:endParaRPr lang="en-US" dirty="0"/>
+          </a:p>
+        </p:txBody>
+      </p:sp>
+      <p:sp>
+        <p:nvSpPr>
+          <p:cNvPr id="4" name="Slide Number Placeholder 3"/>
+          <p:cNvSpPr>
+            <a:spLocks noGrp="1"/>
+          </p:cNvSpPr>
+          <p:nvPr>
+            <p:ph type="sldNum" sz="quarter" idx="12"/>
+          </p:nvPr>
+        </p:nvSpPr>
+        <p:spPr/>
+        <p:txBody>
+          <a:bodyPr/>
+          <a:lstStyle/>
+          <a:p>
+            <a:fld id="{401AD3EB-31DF-2C48-9585-27B7505CC84E}" type="slidenum">
+              <a:rPr lang="en-US" smtClean="0"/>
+              <a:pPr/>
+              <a:t>3</a:t>
+            </a:fld>
+            <a:endParaRPr lang="en-US"/>
           </a:p>
         </p:txBody>
       </p:sp>
@@ -3803,6 +4260,13 @@
   <p:clrMapOvr>
     <a:masterClrMapping/>
   </p:clrMapOvr>
+  <p:timing>
+    <p:tnLst>
+      <p:par>
+        <p:cTn id="1" dur="indefinite" restart="never" nodeType="tmRoot"/>
+      </p:par>
+    </p:tnLst>
+  </p:timing>
 </p:sld>
 </file>
 
@@ -3839,65 +4303,203 @@
           <a:lstStyle/>
           <a:p>
             <a:r>
-              <a:rPr lang="en-US" dirty="0" smtClean="0"/>
-              <a:t>Task life time</a:t>
-            </a:r>
+              <a:rPr lang="en-US" dirty="0" smtClean="0">
+                <a:solidFill>
+                  <a:srgbClr val="000000"/>
+                </a:solidFill>
+              </a:rPr>
+              <a:t>DHFR times</a:t>
+            </a:r>
+            <a:endParaRPr lang="en-US" dirty="0">
+              <a:solidFill>
+                <a:srgbClr val="000000"/>
+              </a:solidFill>
+            </a:endParaRPr>
+          </a:p>
+        </p:txBody>
+      </p:sp>
+      <p:sp>
+        <p:nvSpPr>
+          <p:cNvPr id="3" name="Content Placeholder 2"/>
+          <p:cNvSpPr>
+            <a:spLocks noGrp="1"/>
+          </p:cNvSpPr>
+          <p:nvPr>
+            <p:ph idx="1"/>
+          </p:nvPr>
+        </p:nvSpPr>
+        <p:spPr/>
+        <p:txBody>
+          <a:bodyPr>
+            <a:normAutofit fontScale="92500" lnSpcReduction="10000"/>
+          </a:bodyPr>
+          <a:lstStyle/>
+          <a:p>
+            <a:r>
+              <a:rPr lang="en-US" dirty="0" smtClean="0">
+                <a:solidFill>
+                  <a:srgbClr val="000000"/>
+                </a:solidFill>
+              </a:rPr>
+              <a:t>Time to complete an iteration					(submit, wait, resample)</a:t>
+            </a:r>
+          </a:p>
+          <a:p>
+            <a:pPr lvl="1"/>
+            <a:r>
+              <a:rPr lang="en-US" dirty="0" smtClean="0">
+                <a:solidFill>
+                  <a:srgbClr val="000000"/>
+                </a:solidFill>
+              </a:rPr>
+              <a:t>Average: 6.85 min, std: 58.6 </a:t>
+            </a:r>
+            <a:r>
+              <a:rPr lang="en-US" dirty="0" err="1" smtClean="0">
+                <a:solidFill>
+                  <a:srgbClr val="000000"/>
+                </a:solidFill>
+              </a:rPr>
+              <a:t>s</a:t>
+            </a:r>
+            <a:endParaRPr lang="en-US" dirty="0" smtClean="0">
+              <a:solidFill>
+                <a:srgbClr val="000000"/>
+              </a:solidFill>
+            </a:endParaRPr>
+          </a:p>
+          <a:p>
+            <a:r>
+              <a:rPr lang="en-US" dirty="0" smtClean="0">
+                <a:solidFill>
+                  <a:srgbClr val="000000"/>
+                </a:solidFill>
+              </a:rPr>
+              <a:t>Time to resample*:</a:t>
+            </a:r>
+          </a:p>
+          <a:p>
+            <a:pPr lvl="1"/>
+            <a:r>
+              <a:rPr lang="en-US" dirty="0" smtClean="0">
+                <a:solidFill>
+                  <a:srgbClr val="000000"/>
+                </a:solidFill>
+              </a:rPr>
+              <a:t>Average 138.35 ms, std: 4.8</a:t>
+            </a:r>
+          </a:p>
+          <a:p>
+            <a:r>
+              <a:rPr lang="en-US" dirty="0" smtClean="0">
+                <a:solidFill>
+                  <a:srgbClr val="000000"/>
+                </a:solidFill>
+              </a:rPr>
+              <a:t>Task execution time</a:t>
+            </a:r>
+          </a:p>
+          <a:p>
+            <a:pPr lvl="1"/>
+            <a:r>
+              <a:rPr lang="en-US" dirty="0" smtClean="0">
+                <a:solidFill>
+                  <a:srgbClr val="000000"/>
+                </a:solidFill>
+              </a:rPr>
+              <a:t>Average: 136.0 </a:t>
+            </a:r>
+            <a:r>
+              <a:rPr lang="en-US" dirty="0" err="1" smtClean="0">
+                <a:solidFill>
+                  <a:srgbClr val="000000"/>
+                </a:solidFill>
+              </a:rPr>
+              <a:t>s</a:t>
+            </a:r>
+            <a:r>
+              <a:rPr lang="en-US" dirty="0" smtClean="0">
+                <a:solidFill>
+                  <a:srgbClr val="000000"/>
+                </a:solidFill>
+              </a:rPr>
+              <a:t>, std: 14.1</a:t>
+            </a:r>
+          </a:p>
+          <a:p>
+            <a:r>
+              <a:rPr lang="en-US" dirty="0" smtClean="0">
+                <a:solidFill>
+                  <a:srgbClr val="000000"/>
+                </a:solidFill>
+              </a:rPr>
+              <a:t>Average transfer time</a:t>
+            </a:r>
+          </a:p>
+          <a:p>
+            <a:pPr lvl="1"/>
+            <a:r>
+              <a:rPr lang="en-US" dirty="0" smtClean="0">
+                <a:solidFill>
+                  <a:srgbClr val="000000"/>
+                </a:solidFill>
+              </a:rPr>
+              <a:t>Average: 34.7 ms, std: 47.2</a:t>
+            </a:r>
+          </a:p>
+        </p:txBody>
+      </p:sp>
+      <p:sp>
+        <p:nvSpPr>
+          <p:cNvPr id="4" name="TextBox 3"/>
+          <p:cNvSpPr txBox="1"/>
+          <p:nvPr/>
+        </p:nvSpPr>
+        <p:spPr>
+          <a:xfrm>
+            <a:off x="457200" y="6356350"/>
+            <a:ext cx="6781800" cy="276999"/>
+          </a:xfrm>
+          <a:prstGeom prst="rect">
+            <a:avLst/>
+          </a:prstGeom>
+          <a:noFill/>
+        </p:spPr>
+        <p:txBody>
+          <a:bodyPr wrap="square" rtlCol="0">
+            <a:spAutoFit/>
+          </a:bodyPr>
+          <a:lstStyle/>
+          <a:p>
+            <a:r>
+              <a:rPr lang="en-US" sz="1200" dirty="0" smtClean="0"/>
+              <a:t>*DHFR resampling was run with identity function. Resampling timings here are taken from a previous run.</a:t>
+            </a:r>
+            <a:endParaRPr lang="en-US" sz="1200" dirty="0"/>
+          </a:p>
+        </p:txBody>
+      </p:sp>
+      <p:sp>
+        <p:nvSpPr>
+          <p:cNvPr id="5" name="Slide Number Placeholder 4"/>
+          <p:cNvSpPr>
+            <a:spLocks noGrp="1"/>
+          </p:cNvSpPr>
+          <p:nvPr>
+            <p:ph type="sldNum" sz="quarter" idx="12"/>
+          </p:nvPr>
+        </p:nvSpPr>
+        <p:spPr/>
+        <p:txBody>
+          <a:bodyPr/>
+          <a:lstStyle/>
+          <a:p>
+            <a:fld id="{401AD3EB-31DF-2C48-9585-27B7505CC84E}" type="slidenum">
+              <a:rPr lang="en-US" smtClean="0"/>
+              <a:pPr/>
+              <a:t>4</a:t>
+            </a:fld>
             <a:endParaRPr lang="en-US" dirty="0"/>
-          </a:p>
-        </p:txBody>
-      </p:sp>
-      <p:pic>
-        <p:nvPicPr>
-          <p:cNvPr id="4" name="Content Placeholder 3" descr="task_life_time.png"/>
-          <p:cNvPicPr>
-            <a:picLocks noGrp="1" noChangeAspect="1"/>
-          </p:cNvPicPr>
-          <p:nvPr>
-            <p:ph type="pic" idx="1"/>
-          </p:nvPr>
-        </p:nvPicPr>
-        <p:blipFill>
-          <a:blip r:embed="rId2"/>
-          <a:srcRect/>
-          <a:stretch>
-            <a:fillRect/>
-          </a:stretch>
-        </p:blipFill>
-        <p:spPr/>
-      </p:pic>
-      <p:sp>
-        <p:nvSpPr>
-          <p:cNvPr id="6" name="Text Placeholder 5"/>
-          <p:cNvSpPr>
-            <a:spLocks noGrp="1"/>
-          </p:cNvSpPr>
-          <p:nvPr>
-            <p:ph type="body" sz="half" idx="2"/>
-          </p:nvPr>
-        </p:nvSpPr>
-        <p:spPr/>
-        <p:txBody>
-          <a:bodyPr/>
-          <a:lstStyle/>
-          <a:p>
-            <a:r>
-              <a:rPr lang="en-US" dirty="0" smtClean="0"/>
-              <a:t>Life time is the duration of the task:</a:t>
-            </a:r>
-          </a:p>
-          <a:p>
-            <a:pPr algn="ctr"/>
-            <a:r>
-              <a:rPr lang="en-US" dirty="0" smtClean="0">
-                <a:latin typeface="Courier New"/>
-                <a:cs typeface="Courier New"/>
-              </a:rPr>
-              <a:t>life time = completion time – submit time</a:t>
-            </a:r>
-            <a:endParaRPr lang="en-US" dirty="0">
-              <a:latin typeface="Courier New"/>
-              <a:cs typeface="Courier New"/>
-            </a:endParaRPr>
           </a:p>
         </p:txBody>
       </p:sp>
@@ -3906,6 +4508,13 @@
   <p:clrMapOvr>
     <a:masterClrMapping/>
   </p:clrMapOvr>
+  <p:timing>
+    <p:tnLst>
+      <p:par>
+        <p:cTn id="1" dur="indefinite" restart="never" nodeType="tmRoot"/>
+      </p:par>
+    </p:tnLst>
+  </p:timing>
 </p:sld>
 </file>
 
@@ -3942,16 +4551,73 @@
           <a:lstStyle/>
           <a:p>
             <a:r>
+              <a:rPr lang="en-US" dirty="0" err="1" smtClean="0"/>
+              <a:t>WorkQueue</a:t>
+            </a:r>
+            <a:r>
               <a:rPr lang="en-US" dirty="0" smtClean="0"/>
-              <a:t>Task total transfer time</a:t>
+              <a:t> workers busy</a:t>
             </a:r>
             <a:endParaRPr lang="en-US" dirty="0"/>
+          </a:p>
+        </p:txBody>
+      </p:sp>
+      <p:sp>
+        <p:nvSpPr>
+          <p:cNvPr id="5" name="Text Placeholder 4"/>
+          <p:cNvSpPr>
+            <a:spLocks noGrp="1"/>
+          </p:cNvSpPr>
+          <p:nvPr>
+            <p:ph type="body" sz="half" idx="2"/>
+          </p:nvPr>
+        </p:nvSpPr>
+        <p:spPr/>
+        <p:txBody>
+          <a:bodyPr>
+            <a:normAutofit fontScale="85000" lnSpcReduction="20000"/>
+          </a:bodyPr>
+          <a:lstStyle/>
+          <a:p>
+            <a:r>
+              <a:rPr lang="en-US" dirty="0" smtClean="0"/>
+              <a:t>Workers are busy with tasks between iterations</a:t>
+            </a:r>
+            <a:r>
+              <a:rPr lang="en-US" dirty="0" smtClean="0"/>
+              <a:t>.</a:t>
+            </a:r>
+          </a:p>
+          <a:p>
+            <a:r>
+              <a:rPr lang="en-US" dirty="0" smtClean="0"/>
+              <a:t>Workers join, then oscillate between “busy” and “waiting” as the master enters and exits the barrier.</a:t>
+            </a:r>
+          </a:p>
+          <a:p>
+            <a:r>
+              <a:rPr lang="en-US" dirty="0" smtClean="0">
+                <a:solidFill>
+                  <a:schemeClr val="accent3">
+                    <a:lumMod val="50000"/>
+                  </a:schemeClr>
+                </a:solidFill>
+              </a:rPr>
+              <a:t>Note:  during iteration 4 a worker failed and the task was automatically rescheduled.</a:t>
+            </a:r>
+            <a:endParaRPr lang="en-US" dirty="0">
+              <a:solidFill>
+                <a:schemeClr val="accent3">
+                  <a:lumMod val="50000"/>
+                </a:schemeClr>
+              </a:solidFill>
+            </a:endParaRPr>
           </a:p>
         </p:txBody>
       </p:sp>
       <p:pic>
         <p:nvPicPr>
-          <p:cNvPr id="4" name="Content Placeholder 3" descr="task_total_transfer_time.png"/>
+          <p:cNvPr id="7" name="Picture Placeholder 6" descr="wq_workers_busy.png"/>
           <p:cNvPicPr>
             <a:picLocks noGrp="1" noChangeAspect="1"/>
           </p:cNvPicPr>
@@ -3968,26 +4634,68 @@
         </p:blipFill>
         <p:spPr/>
       </p:pic>
-      <p:sp>
-        <p:nvSpPr>
-          <p:cNvPr id="5" name="Text Placeholder 4"/>
-          <p:cNvSpPr>
-            <a:spLocks noGrp="1"/>
-          </p:cNvSpPr>
-          <p:nvPr>
-            <p:ph type="body" sz="half" idx="2"/>
-          </p:nvPr>
-        </p:nvSpPr>
-        <p:spPr/>
-        <p:txBody>
-          <a:bodyPr/>
-          <a:lstStyle/>
-          <a:p>
-            <a:r>
-              <a:rPr lang="en-US" dirty="0" smtClean="0"/>
-              <a:t>Total transfer time:  time to send and receive data to worker</a:t>
-            </a:r>
-            <a:endParaRPr lang="en-US" dirty="0"/>
+      <p:cxnSp>
+        <p:nvCxnSpPr>
+          <p:cNvPr id="9" name="Straight Arrow Connector 8"/>
+          <p:cNvCxnSpPr/>
+          <p:nvPr/>
+        </p:nvCxnSpPr>
+        <p:spPr>
+          <a:xfrm rot="16200000" flipV="1">
+            <a:off x="3810005" y="4114801"/>
+            <a:ext cx="457196" cy="1"/>
+          </a:xfrm>
+          <a:prstGeom prst="straightConnector1">
+            <a:avLst/>
+          </a:prstGeom>
+          <a:ln w="79375" cap="flat" cmpd="sng" algn="ctr">
+            <a:solidFill>
+              <a:schemeClr val="accent3">
+                <a:lumMod val="50000"/>
+              </a:schemeClr>
+            </a:solidFill>
+            <a:prstDash val="solid"/>
+            <a:round/>
+            <a:headEnd type="none" w="med" len="med"/>
+            <a:tailEnd type="triangle" w="med" len="med"/>
+          </a:ln>
+        </p:spPr>
+        <p:style>
+          <a:lnRef idx="3">
+            <a:schemeClr val="accent3"/>
+          </a:lnRef>
+          <a:fillRef idx="0">
+            <a:schemeClr val="accent3"/>
+          </a:fillRef>
+          <a:effectRef idx="2">
+            <a:schemeClr val="accent3"/>
+          </a:effectRef>
+          <a:fontRef idx="minor">
+            <a:schemeClr val="tx1"/>
+          </a:fontRef>
+        </p:style>
+      </p:cxnSp>
+      <p:sp>
+        <p:nvSpPr>
+          <p:cNvPr id="15" name="Slide Number Placeholder 14"/>
+          <p:cNvSpPr>
+            <a:spLocks noGrp="1"/>
+          </p:cNvSpPr>
+          <p:nvPr>
+            <p:ph type="sldNum" sz="quarter" idx="12"/>
+          </p:nvPr>
+        </p:nvSpPr>
+        <p:spPr/>
+        <p:txBody>
+          <a:bodyPr/>
+          <a:lstStyle/>
+          <a:p>
+            <a:fld id="{401AD3EB-31DF-2C48-9585-27B7505CC84E}" type="slidenum">
+              <a:rPr lang="en-US" smtClean="0"/>
+              <a:pPr/>
+              <a:t>5</a:t>
+            </a:fld>
+            <a:endParaRPr lang="en-US"/>
           </a:p>
         </p:txBody>
       </p:sp>
@@ -3996,6 +4704,13 @@
   <p:clrMapOvr>
     <a:masterClrMapping/>
   </p:clrMapOvr>
+  <p:timing>
+    <p:tnLst>
+      <p:par>
+        <p:cTn id="1" dur="indefinite" restart="never" nodeType="tmRoot"/>
+      </p:par>
+    </p:tnLst>
+  </p:timing>
 </p:sld>
 </file>
 
@@ -4032,20 +4747,104 @@
           <a:lstStyle/>
           <a:p>
             <a:r>
-              <a:rPr lang="en-US" dirty="0" err="1" smtClean="0"/>
-              <a:t>WorkQueue</a:t>
-            </a:r>
-            <a:r>
               <a:rPr lang="en-US" dirty="0" smtClean="0"/>
-              <a:t> send time</a:t>
+              <a:t>Task</a:t>
+            </a:r>
+            <a:r>
+              <a:rPr lang="en-US" dirty="0" smtClean="0"/>
+              <a:t> turnaround time</a:t>
             </a:r>
             <a:endParaRPr lang="en-US" dirty="0"/>
+          </a:p>
+        </p:txBody>
+      </p:sp>
+      <p:sp>
+        <p:nvSpPr>
+          <p:cNvPr id="6" name="Text Placeholder 5"/>
+          <p:cNvSpPr>
+            <a:spLocks noGrp="1"/>
+          </p:cNvSpPr>
+          <p:nvPr>
+            <p:ph type="body" sz="half" idx="2"/>
+          </p:nvPr>
+        </p:nvSpPr>
+        <p:spPr/>
+        <p:txBody>
+          <a:bodyPr>
+            <a:noAutofit/>
+          </a:bodyPr>
+          <a:lstStyle/>
+          <a:p>
+            <a:r>
+              <a:rPr lang="en-US" sz="1200" dirty="0" smtClean="0"/>
+              <a:t>Turnaround time </a:t>
+            </a:r>
+            <a:r>
+              <a:rPr lang="en-US" sz="1200" dirty="0" smtClean="0"/>
+              <a:t>is the duration of the task:</a:t>
+            </a:r>
+            <a:endParaRPr lang="en-US" sz="1200" dirty="0" smtClean="0"/>
+          </a:p>
+          <a:p>
+            <a:pPr algn="ctr"/>
+            <a:r>
+              <a:rPr lang="en-US" sz="1200" dirty="0" smtClean="0">
+                <a:latin typeface="Courier New"/>
+                <a:cs typeface="Courier New"/>
+              </a:rPr>
+              <a:t>Turnaround time </a:t>
+            </a:r>
+            <a:r>
+              <a:rPr lang="en-US" sz="1200" dirty="0" smtClean="0">
+                <a:latin typeface="Courier New"/>
+                <a:cs typeface="Courier New"/>
+              </a:rPr>
+              <a:t>= completion time – submit </a:t>
+            </a:r>
+            <a:r>
+              <a:rPr lang="en-US" sz="1200" dirty="0" smtClean="0">
+                <a:latin typeface="Courier New"/>
+                <a:cs typeface="Courier New"/>
+              </a:rPr>
+              <a:t>time</a:t>
+            </a:r>
+          </a:p>
+          <a:p>
+            <a:r>
+              <a:rPr lang="en-US" sz="1200" dirty="0" smtClean="0">
+                <a:cs typeface="Courier New"/>
+              </a:rPr>
+              <a:t>Tasks will not be immediately executed on submission if nworkers &lt; ntasks.</a:t>
+            </a:r>
+          </a:p>
+          <a:p>
+            <a:r>
+              <a:rPr lang="en-US" sz="1200" dirty="0" smtClean="0">
+                <a:cs typeface="Courier New"/>
+              </a:rPr>
+              <a:t>Red dashed lines group tasks into iterations.</a:t>
+            </a:r>
+          </a:p>
+          <a:p>
+            <a:r>
+              <a:rPr lang="en-US" sz="1200" dirty="0" smtClean="0">
+                <a:solidFill>
+                  <a:srgbClr val="4F6228"/>
+                </a:solidFill>
+              </a:rPr>
+              <a:t>Note:  during iteration 4 a worker failed and the task was automatically rescheduled.</a:t>
+            </a:r>
+          </a:p>
+          <a:p>
+            <a:endParaRPr lang="en-US" sz="1200" dirty="0" smtClean="0">
+              <a:cs typeface="Courier New"/>
+            </a:endParaRPr>
           </a:p>
         </p:txBody>
       </p:sp>
       <p:pic>
         <p:nvPicPr>
-          <p:cNvPr id="4" name="Content Placeholder 3" descr="wq_send_time.png"/>
+          <p:cNvPr id="8" name="Picture Placeholder 7" descr="task_turnaround_time.png"/>
           <p:cNvPicPr>
             <a:picLocks noGrp="1" noChangeAspect="1"/>
           </p:cNvPicPr>
@@ -4062,26 +4861,66 @@
         </p:blipFill>
         <p:spPr/>
       </p:pic>
-      <p:sp>
-        <p:nvSpPr>
-          <p:cNvPr id="5" name="Text Placeholder 4"/>
-          <p:cNvSpPr>
-            <a:spLocks noGrp="1"/>
-          </p:cNvSpPr>
-          <p:nvPr>
-            <p:ph type="body" sz="half" idx="2"/>
-          </p:nvPr>
-        </p:nvSpPr>
-        <p:spPr/>
-        <p:txBody>
-          <a:bodyPr/>
-          <a:lstStyle/>
-          <a:p>
-            <a:r>
-              <a:rPr lang="en-US" dirty="0" smtClean="0"/>
-              <a:t>Time to send data to workers</a:t>
-            </a:r>
-            <a:endParaRPr lang="en-US" dirty="0"/>
+      <p:cxnSp>
+        <p:nvCxnSpPr>
+          <p:cNvPr id="11" name="Straight Arrow Connector 10"/>
+          <p:cNvCxnSpPr/>
+          <p:nvPr/>
+        </p:nvCxnSpPr>
+        <p:spPr>
+          <a:xfrm rot="5400000">
+            <a:off x="3962400" y="609600"/>
+            <a:ext cx="533400" cy="76200"/>
+          </a:xfrm>
+          <a:prstGeom prst="straightConnector1">
+            <a:avLst/>
+          </a:prstGeom>
+          <a:ln w="79375" cap="flat" cmpd="sng" algn="ctr">
+            <a:solidFill>
+              <a:srgbClr val="4F6228"/>
+            </a:solidFill>
+            <a:prstDash val="solid"/>
+            <a:round/>
+            <a:headEnd type="none" w="med" len="med"/>
+            <a:tailEnd type="triangle" w="med" len="med"/>
+          </a:ln>
+        </p:spPr>
+        <p:style>
+          <a:lnRef idx="3">
+            <a:schemeClr val="accent3"/>
+          </a:lnRef>
+          <a:fillRef idx="0">
+            <a:schemeClr val="accent3"/>
+          </a:fillRef>
+          <a:effectRef idx="2">
+            <a:schemeClr val="accent3"/>
+          </a:effectRef>
+          <a:fontRef idx="minor">
+            <a:schemeClr val="tx1"/>
+          </a:fontRef>
+        </p:style>
+      </p:cxnSp>
+      <p:sp>
+        <p:nvSpPr>
+          <p:cNvPr id="12" name="Slide Number Placeholder 11"/>
+          <p:cNvSpPr>
+            <a:spLocks noGrp="1"/>
+          </p:cNvSpPr>
+          <p:nvPr>
+            <p:ph type="sldNum" sz="quarter" idx="12"/>
+          </p:nvPr>
+        </p:nvSpPr>
+        <p:spPr/>
+        <p:txBody>
+          <a:bodyPr/>
+          <a:lstStyle/>
+          <a:p>
+            <a:fld id="{401AD3EB-31DF-2C48-9585-27B7505CC84E}" type="slidenum">
+              <a:rPr lang="en-US" smtClean="0"/>
+              <a:pPr/>
+              <a:t>6</a:t>
+            </a:fld>
+            <a:endParaRPr lang="en-US"/>
           </a:p>
         </p:txBody>
       </p:sp>
@@ -4090,6 +4929,13 @@
   <p:clrMapOvr>
     <a:masterClrMapping/>
   </p:clrMapOvr>
+  <p:timing>
+    <p:tnLst>
+      <p:par>
+        <p:cTn id="1" dur="indefinite" restart="never" nodeType="tmRoot"/>
+      </p:par>
+    </p:tnLst>
+  </p:timing>
 </p:sld>
 </file>
 
@@ -4137,9 +4983,36 @@
           </a:p>
         </p:txBody>
       </p:sp>
+      <p:sp>
+        <p:nvSpPr>
+          <p:cNvPr id="5" name="Text Placeholder 4"/>
+          <p:cNvSpPr>
+            <a:spLocks noGrp="1"/>
+          </p:cNvSpPr>
+          <p:nvPr>
+            <p:ph type="body" sz="half" idx="2"/>
+          </p:nvPr>
+        </p:nvSpPr>
+        <p:spPr/>
+        <p:txBody>
+          <a:bodyPr/>
+          <a:lstStyle/>
+          <a:p>
+            <a:r>
+              <a:rPr lang="en-US" dirty="0" err="1" smtClean="0"/>
+              <a:t>WorkQueue</a:t>
+            </a:r>
+            <a:r>
+              <a:rPr lang="en-US" dirty="0" smtClean="0"/>
+              <a:t> handles completed tasks sequentially. A task is marked as “complete” if it has finished executing but is waiting to be processed by the master. </a:t>
+            </a:r>
+            <a:endParaRPr lang="en-US" dirty="0"/>
+          </a:p>
+        </p:txBody>
+      </p:sp>
       <p:pic>
         <p:nvPicPr>
-          <p:cNvPr id="4" name="Content Placeholder 3" descr="wq_tasks_complete.png"/>
+          <p:cNvPr id="7" name="Picture Placeholder 6" descr="wq_tasks_waiting.png"/>
           <p:cNvPicPr>
             <a:picLocks noGrp="1" noChangeAspect="1"/>
           </p:cNvPicPr>
@@ -4158,28 +5031,25 @@
       </p:pic>
       <p:sp>
         <p:nvSpPr>
-          <p:cNvPr id="5" name="Text Placeholder 4"/>
-          <p:cNvSpPr>
-            <a:spLocks noGrp="1"/>
-          </p:cNvSpPr>
-          <p:nvPr>
-            <p:ph type="body" sz="half" idx="2"/>
-          </p:nvPr>
-        </p:nvSpPr>
-        <p:spPr/>
-        <p:txBody>
-          <a:bodyPr/>
-          <a:lstStyle/>
-          <a:p>
-            <a:r>
-              <a:rPr lang="en-US" dirty="0" err="1" smtClean="0"/>
-              <a:t>WorkQueue</a:t>
-            </a:r>
-            <a:r>
-              <a:rPr lang="en-US" dirty="0" smtClean="0"/>
-              <a:t> handles completed tasks sequentially. A task is marked as “complete” if it has finished executing but is waiting to be processed by the master. </a:t>
-            </a:r>
-            <a:endParaRPr lang="en-US" dirty="0"/>
+          <p:cNvPr id="8" name="Slide Number Placeholder 7"/>
+          <p:cNvSpPr>
+            <a:spLocks noGrp="1"/>
+          </p:cNvSpPr>
+          <p:nvPr>
+            <p:ph type="sldNum" sz="quarter" idx="12"/>
+          </p:nvPr>
+        </p:nvSpPr>
+        <p:spPr/>
+        <p:txBody>
+          <a:bodyPr/>
+          <a:lstStyle/>
+          <a:p>
+            <a:fld id="{401AD3EB-31DF-2C48-9585-27B7505CC84E}" type="slidenum">
+              <a:rPr lang="en-US" smtClean="0"/>
+              <a:pPr/>
+              <a:t>7</a:t>
+            </a:fld>
+            <a:endParaRPr lang="en-US"/>
           </a:p>
         </p:txBody>
       </p:sp>
@@ -4188,100 +5058,13 @@
   <p:clrMapOvr>
     <a:masterClrMapping/>
   </p:clrMapOvr>
-</p:sld>
-</file>
-
-<file path=ppt/slides/slide9.xml><?xml version="1.0" encoding="utf-8"?>
-<p:sld xmlns:a="http://schemas.openxmlformats.org/drawingml/2006/main" xmlns:r="http://schemas.openxmlformats.org/officeDocument/2006/relationships" xmlns:mc="http://schemas.openxmlformats.org/markup-compatibility/2006" xmlns:mv="urn:schemas-microsoft-com:mac:vml" xmlns:p="http://schemas.openxmlformats.org/presentationml/2006/main" mc:Ignorable="mv" mc:PreserveAttributes="mv:*">
-  <p:cSld>
-    <p:spTree>
-      <p:nvGrpSpPr>
-        <p:cNvPr id="1" name=""/>
-        <p:cNvGrpSpPr/>
-        <p:nvPr/>
-      </p:nvGrpSpPr>
-      <p:grpSpPr>
-        <a:xfrm>
-          <a:off x="0" y="0"/>
-          <a:ext cx="0" cy="0"/>
-          <a:chOff x="0" y="0"/>
-          <a:chExt cx="0" cy="0"/>
-        </a:xfrm>
-      </p:grpSpPr>
-      <p:sp>
-        <p:nvSpPr>
-          <p:cNvPr id="2" name="Title 1"/>
-          <p:cNvSpPr>
-            <a:spLocks noGrp="1"/>
-          </p:cNvSpPr>
-          <p:nvPr>
-            <p:ph type="title"/>
-          </p:nvPr>
-        </p:nvSpPr>
-        <p:spPr/>
-        <p:txBody>
-          <a:bodyPr/>
-          <a:lstStyle/>
-          <a:p>
-            <a:r>
-              <a:rPr lang="en-US" dirty="0" err="1" smtClean="0"/>
-              <a:t>WorkQueue</a:t>
-            </a:r>
-            <a:r>
-              <a:rPr lang="en-US" dirty="0" smtClean="0"/>
-              <a:t> workers busy</a:t>
-            </a:r>
-            <a:endParaRPr lang="en-US" dirty="0"/>
-          </a:p>
-        </p:txBody>
-      </p:sp>
-      <p:pic>
-        <p:nvPicPr>
-          <p:cNvPr id="4" name="Content Placeholder 3" descr="wq_workers_busy.png"/>
-          <p:cNvPicPr>
-            <a:picLocks noGrp="1" noChangeAspect="1"/>
-          </p:cNvPicPr>
-          <p:nvPr>
-            <p:ph type="pic" idx="1"/>
-          </p:nvPr>
-        </p:nvPicPr>
-        <p:blipFill>
-          <a:blip r:embed="rId2"/>
-          <a:srcRect/>
-          <a:stretch>
-            <a:fillRect/>
-          </a:stretch>
-        </p:blipFill>
-        <p:spPr/>
-      </p:pic>
-      <p:sp>
-        <p:nvSpPr>
-          <p:cNvPr id="5" name="Text Placeholder 4"/>
-          <p:cNvSpPr>
-            <a:spLocks noGrp="1"/>
-          </p:cNvSpPr>
-          <p:nvPr>
-            <p:ph type="body" sz="half" idx="2"/>
-          </p:nvPr>
-        </p:nvSpPr>
-        <p:spPr/>
-        <p:txBody>
-          <a:bodyPr/>
-          <a:lstStyle/>
-          <a:p>
-            <a:r>
-              <a:rPr lang="en-US" dirty="0" smtClean="0"/>
-              <a:t>Workers are busy with tasks between iterations.</a:t>
-            </a:r>
-            <a:endParaRPr lang="en-US" dirty="0"/>
-          </a:p>
-        </p:txBody>
-      </p:sp>
-    </p:spTree>
-  </p:cSld>
-  <p:clrMapOvr>
-    <a:masterClrMapping/>
-  </p:clrMapOvr>
+  <p:timing>
+    <p:tnLst>
+      <p:par>
+        <p:cTn id="1" dur="indefinite" restart="never" nodeType="tmRoot"/>
+      </p:par>
+    </p:tnLst>
+  </p:timing>
 </p:sld>
 </file>
 
@@ -4601,4 +5384,640 @@
   </a:objectDefaults>
   <a:extraClrSchemeLst/>
 </a:theme>
+</file>
+
+<file path=ppt/theme/theme2.xml><?xml version="1.0" encoding="utf-8"?>
+<a:theme xmlns:a="http://schemas.openxmlformats.org/drawingml/2006/main" name="Office Theme">
+  <a:themeElements>
+    <a:clrScheme name="Office">
+      <a:dk1>
+        <a:sysClr val="windowText" lastClr="000000"/>
+      </a:dk1>
+      <a:lt1>
+        <a:sysClr val="window" lastClr="FFFFFF"/>
+      </a:lt1>
+      <a:dk2>
+        <a:srgbClr val="1F497D"/>
+      </a:dk2>
+      <a:lt2>
+        <a:srgbClr val="EEECE1"/>
+      </a:lt2>
+      <a:accent1>
+        <a:srgbClr val="4F81BD"/>
+      </a:accent1>
+      <a:accent2>
+        <a:srgbClr val="C0504D"/>
+      </a:accent2>
+      <a:accent3>
+        <a:srgbClr val="9BBB59"/>
+      </a:accent3>
+      <a:accent4>
+        <a:srgbClr val="8064A2"/>
+      </a:accent4>
+      <a:accent5>
+        <a:srgbClr val="4BACC6"/>
+      </a:accent5>
+      <a:accent6>
+        <a:srgbClr val="F79646"/>
+      </a:accent6>
+      <a:hlink>
+        <a:srgbClr val="0000FF"/>
+      </a:hlink>
+      <a:folHlink>
+        <a:srgbClr val="800080"/>
+      </a:folHlink>
+    </a:clrScheme>
+    <a:fontScheme name="Office">
+      <a:majorFont>
+        <a:latin typeface="Calibri"/>
+        <a:ea typeface=""/>
+        <a:cs typeface=""/>
+        <a:font script="Jpan" typeface="ＭＳ Ｐゴシック"/>
+        <a:font script="Hang" typeface="맑은 고딕"/>
+        <a:font script="Hans" typeface="宋体"/>
+        <a:font script="Hant" typeface="新細明體"/>
+        <a:font script="Arab" typeface="Times New Roman"/>
+        <a:font script="Hebr" typeface="Times New Roman"/>
+        <a:font script="Thai" typeface="Angsana New"/>
+        <a:font script="Ethi" typeface="Nyala"/>
+        <a:font script="Beng" typeface="Vrinda"/>
+        <a:font script="Gujr" typeface="Shruti"/>
+        <a:font script="Khmr" typeface="MoolBoran"/>
+        <a:font script="Knda" typeface="Tunga"/>
+        <a:font script="Guru" typeface="Raavi"/>
+        <a:font script="Cans" typeface="Euphemia"/>
+        <a:font script="Cher" typeface="Plantagenet Cherokee"/>
+        <a:font script="Yiii" typeface="Microsoft Yi Baiti"/>
+        <a:font script="Tibt" typeface="Microsoft Himalaya"/>
+        <a:font script="Thaa" typeface="MV Boli"/>
+        <a:font script="Deva" typeface="Mangal"/>
+        <a:font script="Telu" typeface="Gautami"/>
+        <a:font script="Taml" typeface="Latha"/>
+        <a:font script="Syrc" typeface="Estrangelo Edessa"/>
+        <a:font script="Orya" typeface="Kalinga"/>
+        <a:font script="Mlym" typeface="Kartika"/>
+        <a:font script="Laoo" typeface="DokChampa"/>
+        <a:font script="Sinh" typeface="Iskoola Pota"/>
+        <a:font script="Mong" typeface="Mongolian Baiti"/>
+        <a:font script="Viet" typeface="Times New Roman"/>
+        <a:font script="Uigh" typeface="Microsoft Uighur"/>
+      </a:majorFont>
+      <a:minorFont>
+        <a:latin typeface="Calibri"/>
+        <a:ea typeface=""/>
+        <a:cs typeface=""/>
+        <a:font script="Jpan" typeface="ＭＳ Ｐゴシック"/>
+        <a:font script="Hang" typeface="맑은 고딕"/>
+        <a:font script="Hans" typeface="宋体"/>
+        <a:font script="Hant" typeface="新細明體"/>
+        <a:font script="Arab" typeface="Arial"/>
+        <a:font script="Hebr" typeface="Arial"/>
+        <a:font script="Thai" typeface="Cordia New"/>
+        <a:font script="Ethi" typeface="Nyala"/>
+        <a:font script="Beng" typeface="Vrinda"/>
+        <a:font script="Gujr" typeface="Shruti"/>
+        <a:font script="Khmr" typeface="DaunPenh"/>
+        <a:font script="Knda" typeface="Tunga"/>
+        <a:font script="Guru" typeface="Raavi"/>
+        <a:font script="Cans" typeface="Euphemia"/>
+        <a:font script="Cher" typeface="Plantagenet Cherokee"/>
+        <a:font script="Yiii" typeface="Microsoft Yi Baiti"/>
+        <a:font script="Tibt" typeface="Microsoft Himalaya"/>
+        <a:font script="Thaa" typeface="MV Boli"/>
+        <a:font script="Deva" typeface="Mangal"/>
+        <a:font script="Telu" typeface="Gautami"/>
+        <a:font script="Taml" typeface="Latha"/>
+        <a:font script="Syrc" typeface="Estrangelo Edessa"/>
+        <a:font script="Orya" typeface="Kalinga"/>
+        <a:font script="Mlym" typeface="Kartika"/>
+        <a:font script="Laoo" typeface="DokChampa"/>
+        <a:font script="Sinh" typeface="Iskoola Pota"/>
+        <a:font script="Mong" typeface="Mongolian Baiti"/>
+        <a:font script="Viet" typeface="Arial"/>
+        <a:font script="Uigh" typeface="Microsoft Uighur"/>
+      </a:minorFont>
+    </a:fontScheme>
+    <a:fmtScheme name="Office">
+      <a:fillStyleLst>
+        <a:solidFill>
+          <a:schemeClr val="phClr"/>
+        </a:solidFill>
+        <a:gradFill rotWithShape="1">
+          <a:gsLst>
+            <a:gs pos="0">
+              <a:schemeClr val="phClr">
+                <a:tint val="50000"/>
+                <a:satMod val="300000"/>
+              </a:schemeClr>
+            </a:gs>
+            <a:gs pos="35000">
+              <a:schemeClr val="phClr">
+                <a:tint val="37000"/>
+                <a:satMod val="300000"/>
+              </a:schemeClr>
+            </a:gs>
+            <a:gs pos="100000">
+              <a:schemeClr val="phClr">
+                <a:tint val="15000"/>
+                <a:satMod val="350000"/>
+              </a:schemeClr>
+            </a:gs>
+          </a:gsLst>
+          <a:lin ang="16200000" scaled="1"/>
+        </a:gradFill>
+        <a:gradFill rotWithShape="1">
+          <a:gsLst>
+            <a:gs pos="0">
+              <a:schemeClr val="phClr">
+                <a:tint val="100000"/>
+                <a:shade val="100000"/>
+                <a:satMod val="130000"/>
+              </a:schemeClr>
+            </a:gs>
+            <a:gs pos="100000">
+              <a:schemeClr val="phClr">
+                <a:tint val="50000"/>
+                <a:shade val="100000"/>
+                <a:satMod val="350000"/>
+              </a:schemeClr>
+            </a:gs>
+          </a:gsLst>
+          <a:lin ang="16200000" scaled="0"/>
+        </a:gradFill>
+      </a:fillStyleLst>
+      <a:lnStyleLst>
+        <a:ln w="9525" cap="flat" cmpd="sng" algn="ctr">
+          <a:solidFill>
+            <a:schemeClr val="phClr">
+              <a:shade val="95000"/>
+              <a:satMod val="105000"/>
+            </a:schemeClr>
+          </a:solidFill>
+          <a:prstDash val="solid"/>
+        </a:ln>
+        <a:ln w="25400" cap="flat" cmpd="sng" algn="ctr">
+          <a:solidFill>
+            <a:schemeClr val="phClr"/>
+          </a:solidFill>
+          <a:prstDash val="solid"/>
+        </a:ln>
+        <a:ln w="38100" cap="flat" cmpd="sng" algn="ctr">
+          <a:solidFill>
+            <a:schemeClr val="phClr"/>
+          </a:solidFill>
+          <a:prstDash val="solid"/>
+        </a:ln>
+      </a:lnStyleLst>
+      <a:effectStyleLst>
+        <a:effectStyle>
+          <a:effectLst>
+            <a:outerShdw blurRad="40000" dist="20000" dir="5400000" rotWithShape="0">
+              <a:srgbClr val="000000">
+                <a:alpha val="38000"/>
+              </a:srgbClr>
+            </a:outerShdw>
+          </a:effectLst>
+        </a:effectStyle>
+        <a:effectStyle>
+          <a:effectLst>
+            <a:outerShdw blurRad="40000" dist="23000" dir="5400000" rotWithShape="0">
+              <a:srgbClr val="000000">
+                <a:alpha val="35000"/>
+              </a:srgbClr>
+            </a:outerShdw>
+          </a:effectLst>
+        </a:effectStyle>
+        <a:effectStyle>
+          <a:effectLst>
+            <a:outerShdw blurRad="40000" dist="23000" dir="5400000" rotWithShape="0">
+              <a:srgbClr val="000000">
+                <a:alpha val="35000"/>
+              </a:srgbClr>
+            </a:outerShdw>
+          </a:effectLst>
+          <a:scene3d>
+            <a:camera prst="orthographicFront">
+              <a:rot lat="0" lon="0" rev="0"/>
+            </a:camera>
+            <a:lightRig rig="threePt" dir="t">
+              <a:rot lat="0" lon="0" rev="1200000"/>
+            </a:lightRig>
+          </a:scene3d>
+          <a:sp3d>
+            <a:bevelT w="63500" h="25400"/>
+          </a:sp3d>
+        </a:effectStyle>
+      </a:effectStyleLst>
+      <a:bgFillStyleLst>
+        <a:solidFill>
+          <a:schemeClr val="phClr"/>
+        </a:solidFill>
+        <a:gradFill rotWithShape="1">
+          <a:gsLst>
+            <a:gs pos="0">
+              <a:schemeClr val="phClr">
+                <a:tint val="40000"/>
+                <a:satMod val="350000"/>
+              </a:schemeClr>
+            </a:gs>
+            <a:gs pos="40000">
+              <a:schemeClr val="phClr">
+                <a:tint val="45000"/>
+                <a:shade val="99000"/>
+                <a:satMod val="350000"/>
+              </a:schemeClr>
+            </a:gs>
+            <a:gs pos="100000">
+              <a:schemeClr val="phClr">
+                <a:shade val="20000"/>
+                <a:satMod val="255000"/>
+              </a:schemeClr>
+            </a:gs>
+          </a:gsLst>
+          <a:path path="circle">
+            <a:fillToRect l="50000" t="-80000" r="50000" b="180000"/>
+          </a:path>
+        </a:gradFill>
+        <a:gradFill rotWithShape="1">
+          <a:gsLst>
+            <a:gs pos="0">
+              <a:schemeClr val="phClr">
+                <a:tint val="80000"/>
+                <a:satMod val="300000"/>
+              </a:schemeClr>
+            </a:gs>
+            <a:gs pos="100000">
+              <a:schemeClr val="phClr">
+                <a:shade val="30000"/>
+                <a:satMod val="200000"/>
+              </a:schemeClr>
+            </a:gs>
+          </a:gsLst>
+          <a:path path="circle">
+            <a:fillToRect l="50000" t="50000" r="50000" b="50000"/>
+          </a:path>
+        </a:gradFill>
+      </a:bgFillStyleLst>
+    </a:fmtScheme>
+  </a:themeElements>
+  <a:objectDefaults>
+    <a:spDef>
+      <a:spPr/>
+      <a:bodyPr/>
+      <a:lstStyle/>
+      <a:style>
+        <a:lnRef idx="1">
+          <a:schemeClr val="accent1"/>
+        </a:lnRef>
+        <a:fillRef idx="3">
+          <a:schemeClr val="accent1"/>
+        </a:fillRef>
+        <a:effectRef idx="2">
+          <a:schemeClr val="accent1"/>
+        </a:effectRef>
+        <a:fontRef idx="minor">
+          <a:schemeClr val="lt1"/>
+        </a:fontRef>
+      </a:style>
+    </a:spDef>
+    <a:lnDef>
+      <a:spPr/>
+      <a:bodyPr/>
+      <a:lstStyle/>
+      <a:style>
+        <a:lnRef idx="2">
+          <a:schemeClr val="accent1"/>
+        </a:lnRef>
+        <a:fillRef idx="0">
+          <a:schemeClr val="accent1"/>
+        </a:fillRef>
+        <a:effectRef idx="1">
+          <a:schemeClr val="accent1"/>
+        </a:effectRef>
+        <a:fontRef idx="minor">
+          <a:schemeClr val="tx1"/>
+        </a:fontRef>
+      </a:style>
+    </a:lnDef>
+  </a:objectDefaults>
+  <a:extraClrSchemeLst/>
+</a:theme>
+</file>
+
+<file path=ppt/theme/theme3.xml><?xml version="1.0" encoding="utf-8"?>
+<a:theme xmlns:a="http://schemas.openxmlformats.org/drawingml/2006/main" name="Office Theme">
+  <a:themeElements>
+    <a:clrScheme name="Office">
+      <a:dk1>
+        <a:sysClr val="windowText" lastClr="000000"/>
+      </a:dk1>
+      <a:lt1>
+        <a:sysClr val="window" lastClr="FFFFFF"/>
+      </a:lt1>
+      <a:dk2>
+        <a:srgbClr val="1F497D"/>
+      </a:dk2>
+      <a:lt2>
+        <a:srgbClr val="EEECE1"/>
+      </a:lt2>
+      <a:accent1>
+        <a:srgbClr val="4F81BD"/>
+      </a:accent1>
+      <a:accent2>
+        <a:srgbClr val="C0504D"/>
+      </a:accent2>
+      <a:accent3>
+        <a:srgbClr val="9BBB59"/>
+      </a:accent3>
+      <a:accent4>
+        <a:srgbClr val="8064A2"/>
+      </a:accent4>
+      <a:accent5>
+        <a:srgbClr val="4BACC6"/>
+      </a:accent5>
+      <a:accent6>
+        <a:srgbClr val="F79646"/>
+      </a:accent6>
+      <a:hlink>
+        <a:srgbClr val="0000FF"/>
+      </a:hlink>
+      <a:folHlink>
+        <a:srgbClr val="800080"/>
+      </a:folHlink>
+    </a:clrScheme>
+    <a:fontScheme name="Office">
+      <a:majorFont>
+        <a:latin typeface="Calibri"/>
+        <a:ea typeface=""/>
+        <a:cs typeface=""/>
+        <a:font script="Jpan" typeface="ＭＳ Ｐゴシック"/>
+        <a:font script="Hang" typeface="맑은 고딕"/>
+        <a:font script="Hans" typeface="宋体"/>
+        <a:font script="Hant" typeface="新細明體"/>
+        <a:font script="Arab" typeface="Times New Roman"/>
+        <a:font script="Hebr" typeface="Times New Roman"/>
+        <a:font script="Thai" typeface="Angsana New"/>
+        <a:font script="Ethi" typeface="Nyala"/>
+        <a:font script="Beng" typeface="Vrinda"/>
+        <a:font script="Gujr" typeface="Shruti"/>
+        <a:font script="Khmr" typeface="MoolBoran"/>
+        <a:font script="Knda" typeface="Tunga"/>
+        <a:font script="Guru" typeface="Raavi"/>
+        <a:font script="Cans" typeface="Euphemia"/>
+        <a:font script="Cher" typeface="Plantagenet Cherokee"/>
+        <a:font script="Yiii" typeface="Microsoft Yi Baiti"/>
+        <a:font script="Tibt" typeface="Microsoft Himalaya"/>
+        <a:font script="Thaa" typeface="MV Boli"/>
+        <a:font script="Deva" typeface="Mangal"/>
+        <a:font script="Telu" typeface="Gautami"/>
+        <a:font script="Taml" typeface="Latha"/>
+        <a:font script="Syrc" typeface="Estrangelo Edessa"/>
+        <a:font script="Orya" typeface="Kalinga"/>
+        <a:font script="Mlym" typeface="Kartika"/>
+        <a:font script="Laoo" typeface="DokChampa"/>
+        <a:font script="Sinh" typeface="Iskoola Pota"/>
+        <a:font script="Mong" typeface="Mongolian Baiti"/>
+        <a:font script="Viet" typeface="Times New Roman"/>
+        <a:font script="Uigh" typeface="Microsoft Uighur"/>
+      </a:majorFont>
+      <a:minorFont>
+        <a:latin typeface="Calibri"/>
+        <a:ea typeface=""/>
+        <a:cs typeface=""/>
+        <a:font script="Jpan" typeface="ＭＳ Ｐゴシック"/>
+        <a:font script="Hang" typeface="맑은 고딕"/>
+        <a:font script="Hans" typeface="宋体"/>
+        <a:font script="Hant" typeface="新細明體"/>
+        <a:font script="Arab" typeface="Arial"/>
+        <a:font script="Hebr" typeface="Arial"/>
+        <a:font script="Thai" typeface="Cordia New"/>
+        <a:font script="Ethi" typeface="Nyala"/>
+        <a:font script="Beng" typeface="Vrinda"/>
+        <a:font script="Gujr" typeface="Shruti"/>
+        <a:font script="Khmr" typeface="DaunPenh"/>
+        <a:font script="Knda" typeface="Tunga"/>
+        <a:font script="Guru" typeface="Raavi"/>
+        <a:font script="Cans" typeface="Euphemia"/>
+        <a:font script="Cher" typeface="Plantagenet Cherokee"/>
+        <a:font script="Yiii" typeface="Microsoft Yi Baiti"/>
+        <a:font script="Tibt" typeface="Microsoft Himalaya"/>
+        <a:font script="Thaa" typeface="MV Boli"/>
+        <a:font script="Deva" typeface="Mangal"/>
+        <a:font script="Telu" typeface="Gautami"/>
+        <a:font script="Taml" typeface="Latha"/>
+        <a:font script="Syrc" typeface="Estrangelo Edessa"/>
+        <a:font script="Orya" typeface="Kalinga"/>
+        <a:font script="Mlym" typeface="Kartika"/>
+        <a:font script="Laoo" typeface="DokChampa"/>
+        <a:font script="Sinh" typeface="Iskoola Pota"/>
+        <a:font script="Mong" typeface="Mongolian Baiti"/>
+        <a:font script="Viet" typeface="Arial"/>
+        <a:font script="Uigh" typeface="Microsoft Uighur"/>
+      </a:minorFont>
+    </a:fontScheme>
+    <a:fmtScheme name="Office">
+      <a:fillStyleLst>
+        <a:solidFill>
+          <a:schemeClr val="phClr"/>
+        </a:solidFill>
+        <a:gradFill rotWithShape="1">
+          <a:gsLst>
+            <a:gs pos="0">
+              <a:schemeClr val="phClr">
+                <a:tint val="50000"/>
+                <a:satMod val="300000"/>
+              </a:schemeClr>
+            </a:gs>
+            <a:gs pos="35000">
+              <a:schemeClr val="phClr">
+                <a:tint val="37000"/>
+                <a:satMod val="300000"/>
+              </a:schemeClr>
+            </a:gs>
+            <a:gs pos="100000">
+              <a:schemeClr val="phClr">
+                <a:tint val="15000"/>
+                <a:satMod val="350000"/>
+              </a:schemeClr>
+            </a:gs>
+          </a:gsLst>
+          <a:lin ang="16200000" scaled="1"/>
+        </a:gradFill>
+        <a:gradFill rotWithShape="1">
+          <a:gsLst>
+            <a:gs pos="0">
+              <a:schemeClr val="phClr">
+                <a:tint val="100000"/>
+                <a:shade val="100000"/>
+                <a:satMod val="130000"/>
+              </a:schemeClr>
+            </a:gs>
+            <a:gs pos="100000">
+              <a:schemeClr val="phClr">
+                <a:tint val="50000"/>
+                <a:shade val="100000"/>
+                <a:satMod val="350000"/>
+              </a:schemeClr>
+            </a:gs>
+          </a:gsLst>
+          <a:lin ang="16200000" scaled="0"/>
+        </a:gradFill>
+      </a:fillStyleLst>
+      <a:lnStyleLst>
+        <a:ln w="9525" cap="flat" cmpd="sng" algn="ctr">
+          <a:solidFill>
+            <a:schemeClr val="phClr">
+              <a:shade val="95000"/>
+              <a:satMod val="105000"/>
+            </a:schemeClr>
+          </a:solidFill>
+          <a:prstDash val="solid"/>
+        </a:ln>
+        <a:ln w="25400" cap="flat" cmpd="sng" algn="ctr">
+          <a:solidFill>
+            <a:schemeClr val="phClr"/>
+          </a:solidFill>
+          <a:prstDash val="solid"/>
+        </a:ln>
+        <a:ln w="38100" cap="flat" cmpd="sng" algn="ctr">
+          <a:solidFill>
+            <a:schemeClr val="phClr"/>
+          </a:solidFill>
+          <a:prstDash val="solid"/>
+        </a:ln>
+      </a:lnStyleLst>
+      <a:effectStyleLst>
+        <a:effectStyle>
+          <a:effectLst>
+            <a:outerShdw blurRad="40000" dist="20000" dir="5400000" rotWithShape="0">
+              <a:srgbClr val="000000">
+                <a:alpha val="38000"/>
+              </a:srgbClr>
+            </a:outerShdw>
+          </a:effectLst>
+        </a:effectStyle>
+        <a:effectStyle>
+          <a:effectLst>
+            <a:outerShdw blurRad="40000" dist="23000" dir="5400000" rotWithShape="0">
+              <a:srgbClr val="000000">
+                <a:alpha val="35000"/>
+              </a:srgbClr>
+            </a:outerShdw>
+          </a:effectLst>
+        </a:effectStyle>
+        <a:effectStyle>
+          <a:effectLst>
+            <a:outerShdw blurRad="40000" dist="23000" dir="5400000" rotWithShape="0">
+              <a:srgbClr val="000000">
+                <a:alpha val="35000"/>
+              </a:srgbClr>
+            </a:outerShdw>
+          </a:effectLst>
+          <a:scene3d>
+            <a:camera prst="orthographicFront">
+              <a:rot lat="0" lon="0" rev="0"/>
+            </a:camera>
+            <a:lightRig rig="threePt" dir="t">
+              <a:rot lat="0" lon="0" rev="1200000"/>
+            </a:lightRig>
+          </a:scene3d>
+          <a:sp3d>
+            <a:bevelT w="63500" h="25400"/>
+          </a:sp3d>
+        </a:effectStyle>
+      </a:effectStyleLst>
+      <a:bgFillStyleLst>
+        <a:solidFill>
+          <a:schemeClr val="phClr"/>
+        </a:solidFill>
+        <a:gradFill rotWithShape="1">
+          <a:gsLst>
+            <a:gs pos="0">
+              <a:schemeClr val="phClr">
+                <a:tint val="40000"/>
+                <a:satMod val="350000"/>
+              </a:schemeClr>
+            </a:gs>
+            <a:gs pos="40000">
+              <a:schemeClr val="phClr">
+                <a:tint val="45000"/>
+                <a:shade val="99000"/>
+                <a:satMod val="350000"/>
+              </a:schemeClr>
+            </a:gs>
+            <a:gs pos="100000">
+              <a:schemeClr val="phClr">
+                <a:shade val="20000"/>
+                <a:satMod val="255000"/>
+              </a:schemeClr>
+            </a:gs>
+          </a:gsLst>
+          <a:path path="circle">
+            <a:fillToRect l="50000" t="-80000" r="50000" b="180000"/>
+          </a:path>
+        </a:gradFill>
+        <a:gradFill rotWithShape="1">
+          <a:gsLst>
+            <a:gs pos="0">
+              <a:schemeClr val="phClr">
+                <a:tint val="80000"/>
+                <a:satMod val="300000"/>
+              </a:schemeClr>
+            </a:gs>
+            <a:gs pos="100000">
+              <a:schemeClr val="phClr">
+                <a:shade val="30000"/>
+                <a:satMod val="200000"/>
+              </a:schemeClr>
+            </a:gs>
+          </a:gsLst>
+          <a:path path="circle">
+            <a:fillToRect l="50000" t="50000" r="50000" b="50000"/>
+          </a:path>
+        </a:gradFill>
+      </a:bgFillStyleLst>
+    </a:fmtScheme>
+  </a:themeElements>
+  <a:objectDefaults>
+    <a:spDef>
+      <a:spPr/>
+      <a:bodyPr/>
+      <a:lstStyle/>
+      <a:style>
+        <a:lnRef idx="1">
+          <a:schemeClr val="accent1"/>
+        </a:lnRef>
+        <a:fillRef idx="3">
+          <a:schemeClr val="accent1"/>
+        </a:fillRef>
+        <a:effectRef idx="2">
+          <a:schemeClr val="accent1"/>
+        </a:effectRef>
+        <a:fontRef idx="minor">
+          <a:schemeClr val="lt1"/>
+        </a:fontRef>
+      </a:style>
+    </a:spDef>
+    <a:lnDef>
+      <a:spPr/>
+      <a:bodyPr/>
+      <a:lstStyle/>
+      <a:style>
+        <a:lnRef idx="2">
+          <a:schemeClr val="accent1"/>
+        </a:lnRef>
+        <a:fillRef idx="0">
+          <a:schemeClr val="accent1"/>
+        </a:fillRef>
+        <a:effectRef idx="1">
+          <a:schemeClr val="accent1"/>
+        </a:effectRef>
+        <a:fontRef idx="minor">
+          <a:schemeClr val="tx1"/>
+        </a:fontRef>
+      </a:style>
+    </a:lnDef>
+  </a:objectDefaults>
+  <a:extraClrSchemeLst/>
+</a:theme>
 </file>